--- a/artifacts/04-Levels-of-Work-Presentation.pptx
+++ b/artifacts/04-Levels-of-Work-Presentation.pptx
@@ -15,12 +15,8 @@
     <p:sldId id="263" r:id="rId14"/>
     <p:sldId id="264" r:id="rId15"/>
     <p:sldId id="265" r:id="rId16"/>
-    <p:sldId id="266" r:id="rId17"/>
-    <p:sldId id="267" r:id="rId18"/>
-    <p:sldId id="268" r:id="rId19"/>
-    <p:sldId id="269" r:id="rId20"/>
   </p:sldIdLst>
-  <p:sldSz cx="9144000" cy="6858000" type="screen4x3"/>
+  <p:sldSz cx="9144000" cy="5143500" type="screen4x3"/>
   <p:notesSz cx="6858000" cy="9144000"/>
   <p:defaultTextStyle>
     <a:defPPr>
@@ -3117,7 +3113,7 @@
         </p:nvSpPr>
         <p:spPr>
           <a:xfrm>
-            <a:off x="914400" y="2286000"/>
+            <a:off x="914400" y="1828800"/>
             <a:ext cx="7315200" cy="914400"/>
           </a:xfrm>
           <a:prstGeom prst="rect">
@@ -3152,8 +3148,8 @@
         </p:nvSpPr>
         <p:spPr>
           <a:xfrm>
-            <a:off x="914400" y="3474720"/>
-            <a:ext cx="7315200" cy="731520"/>
+            <a:off x="914400" y="2926080"/>
+            <a:ext cx="7315200" cy="457200"/>
           </a:xfrm>
           <a:prstGeom prst="rect">
             <a:avLst/>
@@ -3174,42 +3170,7 @@
               </a:defRPr>
             </a:pPr>
             <a:r>
-              <a:t>Design an Organizational Structure Aligned with Value Creation</a:t>
-            </a:r>
-          </a:p>
-        </p:txBody>
-      </p:sp>
-      <p:sp>
-        <p:nvSpPr>
-          <p:cNvPr id="4" name="TextBox 3"/>
-          <p:cNvSpPr txBox="1"/>
-          <p:nvPr/>
-        </p:nvSpPr>
-        <p:spPr>
-          <a:xfrm>
-            <a:off x="914400" y="6217920"/>
-            <a:ext cx="7315200" cy="365760"/>
-          </a:xfrm>
-          <a:prstGeom prst="rect">
-            <a:avLst/>
-          </a:prstGeom>
-          <a:noFill/>
-        </p:spPr>
-        <p:txBody>
-          <a:bodyPr wrap="none">
-            <a:spAutoFit/>
-          </a:bodyPr>
-          <a:lstStyle/>
-          <a:p>
-            <a:pPr algn="ctr">
-              <a:defRPr sz="1200">
-                <a:solidFill>
-                  <a:srgbClr val="FFFFFF"/>
-                </a:solidFill>
-              </a:defRPr>
-            </a:pPr>
-            <a:r>
-              <a:t>Operiva | Business-Ready Tools for South African SMMEs</a:t>
+              <a:t>Structure your business for growth</a:t>
             </a:r>
           </a:p>
         </p:txBody>
@@ -3223,818 +3184,6 @@
 </file>
 
 <file path=ppt/slides/slide10.xml><?xml version="1.0" encoding="utf-8"?>
-<p:sld xmlns:a="http://schemas.openxmlformats.org/drawingml/2006/main" xmlns:p="http://schemas.openxmlformats.org/presentationml/2006/main" xmlns:r="http://schemas.openxmlformats.org/officeDocument/2006/relationships">
-  <p:cSld>
-    <p:spTree>
-      <p:nvGrpSpPr>
-        <p:cNvPr id="1" name=""/>
-        <p:cNvGrpSpPr/>
-        <p:nvPr/>
-      </p:nvGrpSpPr>
-      <p:grpSpPr/>
-      <p:sp>
-        <p:nvSpPr>
-          <p:cNvPr id="2" name="TextBox 1"/>
-          <p:cNvSpPr txBox="1"/>
-          <p:nvPr/>
-        </p:nvSpPr>
-        <p:spPr>
-          <a:xfrm>
-            <a:off x="0" y="0"/>
-            <a:ext cx="9144000" cy="731520"/>
-          </a:xfrm>
-          <a:prstGeom prst="rect">
-            <a:avLst/>
-          </a:prstGeom>
-          <a:solidFill>
-            <a:srgbClr val="101C42"/>
-          </a:solidFill>
-        </p:spPr>
-        <p:txBody>
-          <a:bodyPr wrap="none" anchor="ctr" lIns="457200">
-            <a:spAutoFit/>
-          </a:bodyPr>
-          <a:lstStyle/>
-          <a:p>
-            <a:pPr>
-              <a:defRPr sz="2800" b="1">
-                <a:solidFill>
-                  <a:srgbClr val="FFFFFF"/>
-                </a:solidFill>
-              </a:defRPr>
-            </a:pPr>
-            <a:r>
-              <a:t>6 Steps to Build Your Organogram</a:t>
-            </a:r>
-          </a:p>
-        </p:txBody>
-      </p:sp>
-      <p:sp>
-        <p:nvSpPr>
-          <p:cNvPr id="3" name="TextBox 2"/>
-          <p:cNvSpPr txBox="1"/>
-          <p:nvPr/>
-        </p:nvSpPr>
-        <p:spPr>
-          <a:xfrm>
-            <a:off x="731520" y="1371600"/>
-            <a:ext cx="7680960" cy="5029200"/>
-          </a:xfrm>
-          <a:prstGeom prst="rect">
-            <a:avLst/>
-          </a:prstGeom>
-          <a:noFill/>
-        </p:spPr>
-        <p:txBody>
-          <a:bodyPr wrap="square">
-            <a:spAutoFit/>
-          </a:bodyPr>
-          <a:lstStyle/>
-          <a:p/>
-          <a:p>
-            <a:pPr>
-              <a:spcBef>
-                <a:spcPts val="1200"/>
-              </a:spcBef>
-              <a:defRPr sz="1800"/>
-            </a:pPr>
-            <a:r>
-              <a:t>1. Define your Unique Selling Proposition (USP)</a:t>
-            </a:r>
-          </a:p>
-          <a:p>
-            <a:pPr>
-              <a:spcBef>
-                <a:spcPts val="1200"/>
-              </a:spcBef>
-              <a:defRPr sz="1800"/>
-            </a:pPr>
-          </a:p>
-          <a:p>
-            <a:pPr>
-              <a:spcBef>
-                <a:spcPts val="1200"/>
-              </a:spcBef>
-              <a:defRPr sz="1800"/>
-            </a:pPr>
-            <a:r>
-              <a:t>2. Map your key activities to Level 1 (what creates value?)</a:t>
-            </a:r>
-          </a:p>
-          <a:p>
-            <a:pPr>
-              <a:spcBef>
-                <a:spcPts val="1200"/>
-              </a:spcBef>
-              <a:defRPr sz="1800"/>
-            </a:pPr>
-          </a:p>
-          <a:p>
-            <a:pPr>
-              <a:spcBef>
-                <a:spcPts val="1200"/>
-              </a:spcBef>
-              <a:defRPr sz="1800"/>
-            </a:pPr>
-            <a:r>
-              <a:t>3. Add Level 2 coordination (who supervises?)</a:t>
-            </a:r>
-          </a:p>
-          <a:p>
-            <a:pPr>
-              <a:spcBef>
-                <a:spcPts val="1200"/>
-              </a:spcBef>
-              <a:defRPr sz="1800"/>
-            </a:pPr>
-          </a:p>
-          <a:p>
-            <a:pPr>
-              <a:spcBef>
-                <a:spcPts val="1200"/>
-              </a:spcBef>
-              <a:defRPr sz="1800"/>
-            </a:pPr>
-            <a:r>
-              <a:t>4. Add Level 3 control systems (what systems are needed?)</a:t>
-            </a:r>
-          </a:p>
-          <a:p>
-            <a:pPr>
-              <a:spcBef>
-                <a:spcPts val="1200"/>
-              </a:spcBef>
-              <a:defRPr sz="1800"/>
-            </a:pPr>
-          </a:p>
-          <a:p>
-            <a:pPr>
-              <a:spcBef>
-                <a:spcPts val="1200"/>
-              </a:spcBef>
-              <a:defRPr sz="1800"/>
-            </a:pPr>
-            <a:r>
-              <a:t>5. Define Level 4 strategy (who sets direction?)</a:t>
-            </a:r>
-          </a:p>
-          <a:p>
-            <a:pPr>
-              <a:spcBef>
-                <a:spcPts val="1200"/>
-              </a:spcBef>
-              <a:defRPr sz="1800"/>
-            </a:pPr>
-          </a:p>
-          <a:p>
-            <a:pPr>
-              <a:spcBef>
-                <a:spcPts val="1200"/>
-              </a:spcBef>
-              <a:defRPr sz="1800"/>
-            </a:pPr>
-            <a:r>
-              <a:t>6. Draw the organogram based on these levels</a:t>
-            </a:r>
-          </a:p>
-        </p:txBody>
-      </p:sp>
-    </p:spTree>
-  </p:cSld>
-  <p:clrMapOvr>
-    <a:masterClrMapping/>
-  </p:clrMapOvr>
-</p:sld>
-</file>
-
-<file path=ppt/slides/slide11.xml><?xml version="1.0" encoding="utf-8"?>
-<p:sld xmlns:a="http://schemas.openxmlformats.org/drawingml/2006/main" xmlns:p="http://schemas.openxmlformats.org/presentationml/2006/main" xmlns:r="http://schemas.openxmlformats.org/officeDocument/2006/relationships">
-  <p:cSld>
-    <p:spTree>
-      <p:nvGrpSpPr>
-        <p:cNvPr id="1" name=""/>
-        <p:cNvGrpSpPr/>
-        <p:nvPr/>
-      </p:nvGrpSpPr>
-      <p:grpSpPr/>
-      <p:sp>
-        <p:nvSpPr>
-          <p:cNvPr id="2" name="TextBox 1"/>
-          <p:cNvSpPr txBox="1"/>
-          <p:nvPr/>
-        </p:nvSpPr>
-        <p:spPr>
-          <a:xfrm>
-            <a:off x="0" y="0"/>
-            <a:ext cx="9144000" cy="731520"/>
-          </a:xfrm>
-          <a:prstGeom prst="rect">
-            <a:avLst/>
-          </a:prstGeom>
-          <a:solidFill>
-            <a:srgbClr val="101C42"/>
-          </a:solidFill>
-        </p:spPr>
-        <p:txBody>
-          <a:bodyPr wrap="none" anchor="ctr" lIns="457200">
-            <a:spAutoFit/>
-          </a:bodyPr>
-          <a:lstStyle/>
-          <a:p>
-            <a:pPr>
-              <a:defRPr sz="2800" b="1">
-                <a:solidFill>
-                  <a:srgbClr val="FFFFFF"/>
-                </a:solidFill>
-              </a:defRPr>
-            </a:pPr>
-            <a:r>
-              <a:t>Benefits of the Levels of Work Framework</a:t>
-            </a:r>
-          </a:p>
-        </p:txBody>
-      </p:sp>
-      <p:sp>
-        <p:nvSpPr>
-          <p:cNvPr id="3" name="TextBox 2"/>
-          <p:cNvSpPr txBox="1"/>
-          <p:nvPr/>
-        </p:nvSpPr>
-        <p:spPr>
-          <a:xfrm>
-            <a:off x="731520" y="1371600"/>
-            <a:ext cx="7680960" cy="5029200"/>
-          </a:xfrm>
-          <a:prstGeom prst="rect">
-            <a:avLst/>
-          </a:prstGeom>
-          <a:noFill/>
-        </p:spPr>
-        <p:txBody>
-          <a:bodyPr wrap="square">
-            <a:spAutoFit/>
-          </a:bodyPr>
-          <a:lstStyle/>
-          <a:p/>
-          <a:p>
-            <a:pPr>
-              <a:spcBef>
-                <a:spcPts val="1200"/>
-              </a:spcBef>
-              <a:defRPr sz="1800"/>
-            </a:pPr>
-            <a:r>
-              <a:t>✓ Clarity of Roles</a:t>
-            </a:r>
-          </a:p>
-          <a:p>
-            <a:pPr>
-              <a:spcBef>
-                <a:spcPts val="1200"/>
-              </a:spcBef>
-              <a:defRPr sz="1800"/>
-            </a:pPr>
-            <a:r>
-              <a:t>  Everyone understands their role and contribution</a:t>
-            </a:r>
-          </a:p>
-          <a:p>
-            <a:pPr>
-              <a:spcBef>
-                <a:spcPts val="1200"/>
-              </a:spcBef>
-              <a:defRPr sz="1800"/>
-            </a:pPr>
-          </a:p>
-          <a:p>
-            <a:pPr>
-              <a:spcBef>
-                <a:spcPts val="1200"/>
-              </a:spcBef>
-              <a:defRPr sz="1800"/>
-            </a:pPr>
-            <a:r>
-              <a:t>✓ Scalability</a:t>
-            </a:r>
-          </a:p>
-          <a:p>
-            <a:pPr>
-              <a:spcBef>
-                <a:spcPts val="1200"/>
-              </a:spcBef>
-              <a:defRPr sz="1800"/>
-            </a:pPr>
-            <a:r>
-              <a:t>  Clear path for adding new roles as you grow</a:t>
-            </a:r>
-          </a:p>
-          <a:p>
-            <a:pPr>
-              <a:spcBef>
-                <a:spcPts val="1200"/>
-              </a:spcBef>
-              <a:defRPr sz="1800"/>
-            </a:pPr>
-          </a:p>
-          <a:p>
-            <a:pPr>
-              <a:spcBef>
-                <a:spcPts val="1200"/>
-              </a:spcBef>
-              <a:defRPr sz="1800"/>
-            </a:pPr>
-            <a:r>
-              <a:t>✓ Improved Delegation</a:t>
-            </a:r>
-          </a:p>
-          <a:p>
-            <a:pPr>
-              <a:spcBef>
-                <a:spcPts val="1200"/>
-              </a:spcBef>
-              <a:defRPr sz="1800"/>
-            </a:pPr>
-            <a:r>
-              <a:t>  Confidently delegate to the appropriate level</a:t>
-            </a:r>
-          </a:p>
-          <a:p>
-            <a:pPr>
-              <a:spcBef>
-                <a:spcPts val="1200"/>
-              </a:spcBef>
-              <a:defRPr sz="1800"/>
-            </a:pPr>
-          </a:p>
-          <a:p>
-            <a:pPr>
-              <a:spcBef>
-                <a:spcPts val="1200"/>
-              </a:spcBef>
-              <a:defRPr sz="1800"/>
-            </a:pPr>
-            <a:r>
-              <a:t>✓ Better Decision-Making</a:t>
-            </a:r>
-          </a:p>
-          <a:p>
-            <a:pPr>
-              <a:spcBef>
-                <a:spcPts val="1200"/>
-              </a:spcBef>
-              <a:defRPr sz="1800"/>
-            </a:pPr>
-            <a:r>
-              <a:t>  Decisions made at the right level</a:t>
-            </a:r>
-          </a:p>
-          <a:p>
-            <a:pPr>
-              <a:spcBef>
-                <a:spcPts val="1200"/>
-              </a:spcBef>
-              <a:defRPr sz="1800"/>
-            </a:pPr>
-          </a:p>
-          <a:p>
-            <a:pPr>
-              <a:spcBef>
-                <a:spcPts val="1200"/>
-              </a:spcBef>
-              <a:defRPr sz="1800"/>
-            </a:pPr>
-            <a:r>
-              <a:t>✓ Increased Efficiency</a:t>
-            </a:r>
-          </a:p>
-          <a:p>
-            <a:pPr>
-              <a:spcBef>
-                <a:spcPts val="1200"/>
-              </a:spcBef>
-              <a:defRPr sz="1800"/>
-            </a:pPr>
-            <a:r>
-              <a:t>  Structure aligned with how value is created</a:t>
-            </a:r>
-          </a:p>
-        </p:txBody>
-      </p:sp>
-    </p:spTree>
-  </p:cSld>
-  <p:clrMapOvr>
-    <a:masterClrMapping/>
-  </p:clrMapOvr>
-</p:sld>
-</file>
-
-<file path=ppt/slides/slide12.xml><?xml version="1.0" encoding="utf-8"?>
-<p:sld xmlns:a="http://schemas.openxmlformats.org/drawingml/2006/main" xmlns:p="http://schemas.openxmlformats.org/presentationml/2006/main" xmlns:r="http://schemas.openxmlformats.org/officeDocument/2006/relationships">
-  <p:cSld>
-    <p:spTree>
-      <p:nvGrpSpPr>
-        <p:cNvPr id="1" name=""/>
-        <p:cNvGrpSpPr/>
-        <p:nvPr/>
-      </p:nvGrpSpPr>
-      <p:grpSpPr/>
-      <p:sp>
-        <p:nvSpPr>
-          <p:cNvPr id="2" name="TextBox 1"/>
-          <p:cNvSpPr txBox="1"/>
-          <p:nvPr/>
-        </p:nvSpPr>
-        <p:spPr>
-          <a:xfrm>
-            <a:off x="0" y="0"/>
-            <a:ext cx="9144000" cy="731520"/>
-          </a:xfrm>
-          <a:prstGeom prst="rect">
-            <a:avLst/>
-          </a:prstGeom>
-          <a:solidFill>
-            <a:srgbClr val="101C42"/>
-          </a:solidFill>
-        </p:spPr>
-        <p:txBody>
-          <a:bodyPr wrap="none" anchor="ctr" lIns="457200">
-            <a:spAutoFit/>
-          </a:bodyPr>
-          <a:lstStyle/>
-          <a:p>
-            <a:pPr>
-              <a:defRPr sz="2800" b="1">
-                <a:solidFill>
-                  <a:srgbClr val="FFFFFF"/>
-                </a:solidFill>
-              </a:defRPr>
-            </a:pPr>
-            <a:r>
-              <a:t>Using the Excel Template</a:t>
-            </a:r>
-          </a:p>
-        </p:txBody>
-      </p:sp>
-      <p:sp>
-        <p:nvSpPr>
-          <p:cNvPr id="3" name="TextBox 2"/>
-          <p:cNvSpPr txBox="1"/>
-          <p:nvPr/>
-        </p:nvSpPr>
-        <p:spPr>
-          <a:xfrm>
-            <a:off x="731520" y="1371600"/>
-            <a:ext cx="7680960" cy="5029200"/>
-          </a:xfrm>
-          <a:prstGeom prst="rect">
-            <a:avLst/>
-          </a:prstGeom>
-          <a:noFill/>
-        </p:spPr>
-        <p:txBody>
-          <a:bodyPr wrap="square">
-            <a:spAutoFit/>
-          </a:bodyPr>
-          <a:lstStyle/>
-          <a:p/>
-          <a:p>
-            <a:pPr>
-              <a:spcBef>
-                <a:spcPts val="1200"/>
-              </a:spcBef>
-              <a:defRPr sz="1800"/>
-            </a:pPr>
-            <a:r>
-              <a:t>The included Excel template has 5 worksheets:</a:t>
-            </a:r>
-          </a:p>
-          <a:p>
-            <a:pPr>
-              <a:spcBef>
-                <a:spcPts val="1200"/>
-              </a:spcBef>
-              <a:defRPr sz="1800"/>
-            </a:pPr>
-          </a:p>
-          <a:p>
-            <a:pPr>
-              <a:spcBef>
-                <a:spcPts val="1200"/>
-              </a:spcBef>
-              <a:defRPr sz="1800"/>
-            </a:pPr>
-            <a:r>
-              <a:t>1. Instructions - Overview of the process</a:t>
-            </a:r>
-          </a:p>
-          <a:p>
-            <a:pPr>
-              <a:spcBef>
-                <a:spcPts val="1200"/>
-              </a:spcBef>
-              <a:defRPr sz="1800"/>
-            </a:pPr>
-          </a:p>
-          <a:p>
-            <a:pPr>
-              <a:spcBef>
-                <a:spcPts val="1200"/>
-              </a:spcBef>
-              <a:defRPr sz="1800"/>
-            </a:pPr>
-            <a:r>
-              <a:t>2. USP &amp; Key Activities - Define your value proposition</a:t>
-            </a:r>
-          </a:p>
-          <a:p>
-            <a:pPr>
-              <a:spcBef>
-                <a:spcPts val="1200"/>
-              </a:spcBef>
-              <a:defRPr sz="1800"/>
-            </a:pPr>
-          </a:p>
-          <a:p>
-            <a:pPr>
-              <a:spcBef>
-                <a:spcPts val="1200"/>
-              </a:spcBef>
-              <a:defRPr sz="1800"/>
-            </a:pPr>
-            <a:r>
-              <a:t>3. Level Mapping - Assign activities to levels (1-4)</a:t>
-            </a:r>
-          </a:p>
-          <a:p>
-            <a:pPr>
-              <a:spcBef>
-                <a:spcPts val="1200"/>
-              </a:spcBef>
-              <a:defRPr sz="1800"/>
-            </a:pPr>
-          </a:p>
-          <a:p>
-            <a:pPr>
-              <a:spcBef>
-                <a:spcPts val="1200"/>
-              </a:spcBef>
-              <a:defRPr sz="1800"/>
-            </a:pPr>
-            <a:r>
-              <a:t>4. Organogram Builder - Visual chart builder</a:t>
-            </a:r>
-          </a:p>
-          <a:p>
-            <a:pPr>
-              <a:spcBef>
-                <a:spcPts val="1200"/>
-              </a:spcBef>
-              <a:defRPr sz="1800"/>
-            </a:pPr>
-          </a:p>
-          <a:p>
-            <a:pPr>
-              <a:spcBef>
-                <a:spcPts val="1200"/>
-              </a:spcBef>
-              <a:defRPr sz="1800"/>
-            </a:pPr>
-            <a:r>
-              <a:t>5. Summary - Headcount analysis by level</a:t>
-            </a:r>
-          </a:p>
-        </p:txBody>
-      </p:sp>
-    </p:spTree>
-  </p:cSld>
-  <p:clrMapOvr>
-    <a:masterClrMapping/>
-  </p:clrMapOvr>
-</p:sld>
-</file>
-
-<file path=ppt/slides/slide13.xml><?xml version="1.0" encoding="utf-8"?>
-<p:sld xmlns:a="http://schemas.openxmlformats.org/drawingml/2006/main" xmlns:p="http://schemas.openxmlformats.org/presentationml/2006/main" xmlns:r="http://schemas.openxmlformats.org/officeDocument/2006/relationships">
-  <p:cSld>
-    <p:spTree>
-      <p:nvGrpSpPr>
-        <p:cNvPr id="1" name=""/>
-        <p:cNvGrpSpPr/>
-        <p:nvPr/>
-      </p:nvGrpSpPr>
-      <p:grpSpPr/>
-      <p:sp>
-        <p:nvSpPr>
-          <p:cNvPr id="2" name="TextBox 1"/>
-          <p:cNvSpPr txBox="1"/>
-          <p:nvPr/>
-        </p:nvSpPr>
-        <p:spPr>
-          <a:xfrm>
-            <a:off x="0" y="0"/>
-            <a:ext cx="9144000" cy="731520"/>
-          </a:xfrm>
-          <a:prstGeom prst="rect">
-            <a:avLst/>
-          </a:prstGeom>
-          <a:solidFill>
-            <a:srgbClr val="101C42"/>
-          </a:solidFill>
-        </p:spPr>
-        <p:txBody>
-          <a:bodyPr wrap="none" anchor="ctr" lIns="457200">
-            <a:spAutoFit/>
-          </a:bodyPr>
-          <a:lstStyle/>
-          <a:p>
-            <a:pPr>
-              <a:defRPr sz="2800" b="1">
-                <a:solidFill>
-                  <a:srgbClr val="FFFFFF"/>
-                </a:solidFill>
-              </a:defRPr>
-            </a:pPr>
-            <a:r>
-              <a:t>Your Next Steps</a:t>
-            </a:r>
-          </a:p>
-        </p:txBody>
-      </p:sp>
-      <p:sp>
-        <p:nvSpPr>
-          <p:cNvPr id="3" name="TextBox 2"/>
-          <p:cNvSpPr txBox="1"/>
-          <p:nvPr/>
-        </p:nvSpPr>
-        <p:spPr>
-          <a:xfrm>
-            <a:off x="731520" y="1371600"/>
-            <a:ext cx="7680960" cy="5029200"/>
-          </a:xfrm>
-          <a:prstGeom prst="rect">
-            <a:avLst/>
-          </a:prstGeom>
-          <a:noFill/>
-        </p:spPr>
-        <p:txBody>
-          <a:bodyPr wrap="square">
-            <a:spAutoFit/>
-          </a:bodyPr>
-          <a:lstStyle/>
-          <a:p/>
-          <a:p>
-            <a:pPr>
-              <a:spcBef>
-                <a:spcPts val="1200"/>
-              </a:spcBef>
-              <a:defRPr sz="1800"/>
-            </a:pPr>
-            <a:r>
-              <a:t>1. Read the PDF Guide (15 minutes)</a:t>
-            </a:r>
-          </a:p>
-          <a:p>
-            <a:pPr>
-              <a:spcBef>
-                <a:spcPts val="1200"/>
-              </a:spcBef>
-              <a:defRPr sz="1800"/>
-            </a:pPr>
-            <a:r>
-              <a:t>   Understand the framework and theory</a:t>
-            </a:r>
-          </a:p>
-          <a:p>
-            <a:pPr>
-              <a:spcBef>
-                <a:spcPts val="1200"/>
-              </a:spcBef>
-              <a:defRPr sz="1800"/>
-            </a:pPr>
-          </a:p>
-          <a:p>
-            <a:pPr>
-              <a:spcBef>
-                <a:spcPts val="1200"/>
-              </a:spcBef>
-              <a:defRPr sz="1800"/>
-            </a:pPr>
-            <a:r>
-              <a:t>2. Complete the Excel Template (30-60 minutes)</a:t>
-            </a:r>
-          </a:p>
-          <a:p>
-            <a:pPr>
-              <a:spcBef>
-                <a:spcPts val="1200"/>
-              </a:spcBef>
-              <a:defRPr sz="1800"/>
-            </a:pPr>
-            <a:r>
-              <a:t>   Map your business activities to levels</a:t>
-            </a:r>
-          </a:p>
-          <a:p>
-            <a:pPr>
-              <a:spcBef>
-                <a:spcPts val="1200"/>
-              </a:spcBef>
-              <a:defRPr sz="1800"/>
-            </a:pPr>
-          </a:p>
-          <a:p>
-            <a:pPr>
-              <a:spcBef>
-                <a:spcPts val="1200"/>
-              </a:spcBef>
-              <a:defRPr sz="1800"/>
-            </a:pPr>
-            <a:r>
-              <a:t>3. Present to Your Team (Optional)</a:t>
-            </a:r>
-          </a:p>
-          <a:p>
-            <a:pPr>
-              <a:spcBef>
-                <a:spcPts val="1200"/>
-              </a:spcBef>
-              <a:defRPr sz="1800"/>
-            </a:pPr>
-            <a:r>
-              <a:t>   Use this PowerPoint to communicate changes</a:t>
-            </a:r>
-          </a:p>
-          <a:p>
-            <a:pPr>
-              <a:spcBef>
-                <a:spcPts val="1200"/>
-              </a:spcBef>
-              <a:defRPr sz="1800"/>
-            </a:pPr>
-          </a:p>
-          <a:p>
-            <a:pPr>
-              <a:spcBef>
-                <a:spcPts val="1200"/>
-              </a:spcBef>
-              <a:defRPr sz="1800"/>
-            </a:pPr>
-            <a:r>
-              <a:t>4. Implement Gradually</a:t>
-            </a:r>
-          </a:p>
-          <a:p>
-            <a:pPr>
-              <a:spcBef>
-                <a:spcPts val="1200"/>
-              </a:spcBef>
-              <a:defRPr sz="1800"/>
-            </a:pPr>
-            <a:r>
-              <a:t>   Start delegating to the appropriate levels</a:t>
-            </a:r>
-          </a:p>
-          <a:p>
-            <a:pPr>
-              <a:spcBef>
-                <a:spcPts val="1200"/>
-              </a:spcBef>
-              <a:defRPr sz="1800"/>
-            </a:pPr>
-          </a:p>
-          <a:p>
-            <a:pPr>
-              <a:spcBef>
-                <a:spcPts val="1200"/>
-              </a:spcBef>
-              <a:defRPr sz="1800"/>
-            </a:pPr>
-            <a:r>
-              <a:t>5. Review Quarterly</a:t>
-            </a:r>
-          </a:p>
-          <a:p>
-            <a:pPr>
-              <a:spcBef>
-                <a:spcPts val="1200"/>
-              </a:spcBef>
-              <a:defRPr sz="1800"/>
-            </a:pPr>
-            <a:r>
-              <a:t>   Adjust as your business grows</a:t>
-            </a:r>
-          </a:p>
-        </p:txBody>
-      </p:sp>
-    </p:spTree>
-  </p:cSld>
-  <p:clrMapOvr>
-    <a:masterClrMapping/>
-  </p:clrMapOvr>
-</p:sld>
-</file>
-
-<file path=ppt/slides/slide14.xml><?xml version="1.0" encoding="utf-8"?>
 <p:sld xmlns:a="http://schemas.openxmlformats.org/drawingml/2006/main" xmlns:p="http://schemas.openxmlformats.org/presentationml/2006/main" xmlns:r="http://schemas.openxmlformats.org/officeDocument/2006/relationships">
   <p:cSld>
     <p:bg>
@@ -4060,7 +3209,7 @@
         </p:nvSpPr>
         <p:spPr>
           <a:xfrm>
-            <a:off x="914400" y="2286000"/>
+            <a:off x="914400" y="1828800"/>
             <a:ext cx="7315200" cy="914400"/>
           </a:xfrm>
           <a:prstGeom prst="rect">
@@ -4082,7 +3231,7 @@
               </a:defRPr>
             </a:pPr>
             <a:r>
-              <a:t>Build Your Organogram Today</a:t>
+              <a:t>Structure for Success</a:t>
             </a:r>
           </a:p>
         </p:txBody>
@@ -4095,8 +3244,8 @@
         </p:nvSpPr>
         <p:spPr>
           <a:xfrm>
-            <a:off x="914400" y="3474720"/>
-            <a:ext cx="7315200" cy="731520"/>
+            <a:off x="914400" y="2926080"/>
+            <a:ext cx="7315200" cy="457200"/>
           </a:xfrm>
           <a:prstGeom prst="rect">
             <a:avLst/>
@@ -4117,42 +3266,7 @@
               </a:defRPr>
             </a:pPr>
             <a:r>
-              <a:t>Break the bottleneck. Scale your business.</a:t>
-            </a:r>
-          </a:p>
-        </p:txBody>
-      </p:sp>
-      <p:sp>
-        <p:nvSpPr>
-          <p:cNvPr id="4" name="TextBox 3"/>
-          <p:cNvSpPr txBox="1"/>
-          <p:nvPr/>
-        </p:nvSpPr>
-        <p:spPr>
-          <a:xfrm>
-            <a:off x="914400" y="6217920"/>
-            <a:ext cx="7315200" cy="365760"/>
-          </a:xfrm>
-          <a:prstGeom prst="rect">
-            <a:avLst/>
-          </a:prstGeom>
-          <a:noFill/>
-        </p:spPr>
-        <p:txBody>
-          <a:bodyPr wrap="none">
-            <a:spAutoFit/>
-          </a:bodyPr>
-          <a:lstStyle/>
-          <a:p>
-            <a:pPr algn="ctr">
-              <a:defRPr sz="1200">
-                <a:solidFill>
-                  <a:srgbClr val="FFFFFF"/>
-                </a:solidFill>
-              </a:defRPr>
-            </a:pPr>
-            <a:r>
-              <a:t>Operiva | Business-Ready Tools for South African SMMEs</a:t>
+              <a:t>Use the 4 Levels to scale your business</a:t>
             </a:r>
           </a:p>
         </p:txBody>
@@ -4168,6 +3282,14 @@
 <file path=ppt/slides/slide2.xml><?xml version="1.0" encoding="utf-8"?>
 <p:sld xmlns:a="http://schemas.openxmlformats.org/drawingml/2006/main" xmlns:p="http://schemas.openxmlformats.org/presentationml/2006/main" xmlns:r="http://schemas.openxmlformats.org/officeDocument/2006/relationships">
   <p:cSld>
+    <p:bg>
+      <p:bgPr>
+        <a:solidFill>
+          <a:srgbClr val="101C42"/>
+        </a:solidFill>
+        <a:effectLst/>
+      </p:bgPr>
+    </p:bg>
     <p:spTree>
       <p:nvGrpSpPr>
         <p:cNvPr id="1" name=""/>
@@ -4183,45 +3305,8 @@
         </p:nvSpPr>
         <p:spPr>
           <a:xfrm>
-            <a:off x="0" y="0"/>
-            <a:ext cx="9144000" cy="731520"/>
-          </a:xfrm>
-          <a:prstGeom prst="rect">
-            <a:avLst/>
-          </a:prstGeom>
-          <a:solidFill>
-            <a:srgbClr val="101C42"/>
-          </a:solidFill>
-        </p:spPr>
-        <p:txBody>
-          <a:bodyPr wrap="none" anchor="ctr" lIns="457200">
-            <a:spAutoFit/>
-          </a:bodyPr>
-          <a:lstStyle/>
-          <a:p>
-            <a:pPr>
-              <a:defRPr sz="2800" b="1">
-                <a:solidFill>
-                  <a:srgbClr val="FFFFFF"/>
-                </a:solidFill>
-              </a:defRPr>
-            </a:pPr>
-            <a:r>
-              <a:t>The Owner-Manager Bottleneck</a:t>
-            </a:r>
-          </a:p>
-        </p:txBody>
-      </p:sp>
-      <p:sp>
-        <p:nvSpPr>
-          <p:cNvPr id="3" name="TextBox 2"/>
-          <p:cNvSpPr txBox="1"/>
-          <p:nvPr/>
-        </p:nvSpPr>
-        <p:spPr>
-          <a:xfrm>
-            <a:off x="731520" y="1371600"/>
-            <a:ext cx="7680960" cy="5029200"/>
+            <a:off x="914400" y="1828800"/>
+            <a:ext cx="7315200" cy="914400"/>
           </a:xfrm>
           <a:prstGeom prst="rect">
             <a:avLst/>
@@ -4229,102 +3314,55 @@
           <a:noFill/>
         </p:spPr>
         <p:txBody>
-          <a:bodyPr wrap="square">
+          <a:bodyPr wrap="none">
             <a:spAutoFit/>
           </a:bodyPr>
           <a:lstStyle/>
-          <a:p/>
-          <a:p>
-            <a:pPr>
-              <a:spcBef>
-                <a:spcPts val="1200"/>
-              </a:spcBef>
-              <a:defRPr sz="1800"/>
-            </a:pPr>
-            <a:r>
-              <a:t>As your SMME grows, you become overwhelmed with:</a:t>
-            </a:r>
-          </a:p>
-          <a:p>
-            <a:pPr>
-              <a:spcBef>
-                <a:spcPts val="1200"/>
-              </a:spcBef>
-              <a:defRPr sz="1800"/>
-            </a:pPr>
-            <a:r>
-              <a:t>  • Day-to-day operational tasks</a:t>
-            </a:r>
-          </a:p>
-          <a:p>
-            <a:pPr>
-              <a:spcBef>
-                <a:spcPts val="1200"/>
-              </a:spcBef>
-              <a:defRPr sz="1800"/>
-            </a:pPr>
-            <a:r>
-              <a:t>  • Supervising employees</a:t>
-            </a:r>
-          </a:p>
-          <a:p>
-            <a:pPr>
-              <a:spcBef>
-                <a:spcPts val="1200"/>
-              </a:spcBef>
-              <a:defRPr sz="1800"/>
-            </a:pPr>
-            <a:r>
-              <a:t>  • Managing systems and finances</a:t>
-            </a:r>
-          </a:p>
-          <a:p>
-            <a:pPr>
-              <a:spcBef>
-                <a:spcPts val="1200"/>
-              </a:spcBef>
-              <a:defRPr sz="1800"/>
-            </a:pPr>
-            <a:r>
-              <a:t>  • Strategic planning and business development</a:t>
-            </a:r>
-          </a:p>
-          <a:p>
-            <a:pPr>
-              <a:spcBef>
-                <a:spcPts val="1200"/>
-              </a:spcBef>
-              <a:defRPr sz="1800"/>
-            </a:pPr>
-          </a:p>
-          <a:p>
-            <a:pPr>
-              <a:spcBef>
-                <a:spcPts val="1200"/>
-              </a:spcBef>
-              <a:defRPr sz="1800"/>
-            </a:pPr>
-            <a:r>
-              <a:t>Result: You're stuck in the business, not working ON the business</a:t>
-            </a:r>
-          </a:p>
-          <a:p>
-            <a:pPr>
-              <a:spcBef>
-                <a:spcPts val="1200"/>
-              </a:spcBef>
-              <a:defRPr sz="1800"/>
-            </a:pPr>
-          </a:p>
-          <a:p>
-            <a:pPr>
-              <a:spcBef>
-                <a:spcPts val="1200"/>
-              </a:spcBef>
-              <a:defRPr sz="1800"/>
-            </a:pPr>
-            <a:r>
-              <a:t>The solution? A clear organizational structure that enables delegation</a:t>
+          <a:p>
+            <a:pPr algn="ctr">
+              <a:defRPr sz="4400" b="1">
+                <a:solidFill>
+                  <a:srgbClr val="FFFFFF"/>
+                </a:solidFill>
+              </a:defRPr>
+            </a:pPr>
+            <a:r>
+              <a:t>The 4 Levels Framework</a:t>
+            </a:r>
+          </a:p>
+        </p:txBody>
+      </p:sp>
+      <p:sp>
+        <p:nvSpPr>
+          <p:cNvPr id="3" name="TextBox 2"/>
+          <p:cNvSpPr txBox="1"/>
+          <p:nvPr/>
+        </p:nvSpPr>
+        <p:spPr>
+          <a:xfrm>
+            <a:off x="914400" y="2926080"/>
+            <a:ext cx="7315200" cy="457200"/>
+          </a:xfrm>
+          <a:prstGeom prst="rect">
+            <a:avLst/>
+          </a:prstGeom>
+          <a:noFill/>
+        </p:spPr>
+        <p:txBody>
+          <a:bodyPr wrap="none">
+            <a:spAutoFit/>
+          </a:bodyPr>
+          <a:lstStyle/>
+          <a:p>
+            <a:pPr algn="ctr">
+              <a:defRPr sz="2000">
+                <a:solidFill>
+                  <a:srgbClr val="FFFFFF"/>
+                </a:solidFill>
+              </a:defRPr>
+            </a:pPr>
+            <a:r>
+              <a:t>From operations to strategy</a:t>
             </a:r>
           </a:p>
         </p:txBody>
@@ -4340,6 +3378,14 @@
 <file path=ppt/slides/slide3.xml><?xml version="1.0" encoding="utf-8"?>
 <p:sld xmlns:a="http://schemas.openxmlformats.org/drawingml/2006/main" xmlns:p="http://schemas.openxmlformats.org/presentationml/2006/main" xmlns:r="http://schemas.openxmlformats.org/officeDocument/2006/relationships">
   <p:cSld>
+    <p:bg>
+      <p:bgPr>
+        <a:solidFill>
+          <a:srgbClr val="FFFFFF"/>
+        </a:solidFill>
+        <a:effectLst/>
+      </p:bgPr>
+    </p:bg>
     <p:spTree>
       <p:nvGrpSpPr>
         <p:cNvPr id="1" name=""/>
@@ -4355,45 +3401,88 @@
         </p:nvSpPr>
         <p:spPr>
           <a:xfrm>
-            <a:off x="0" y="0"/>
-            <a:ext cx="9144000" cy="731520"/>
+            <a:off x="457200" y="274320"/>
+            <a:ext cx="8229600" cy="548640"/>
+          </a:xfrm>
+          <a:prstGeom prst="rect">
+            <a:avLst/>
+          </a:prstGeom>
+          <a:noFill/>
+        </p:spPr>
+        <p:txBody>
+          <a:bodyPr wrap="none">
+            <a:spAutoFit/>
+          </a:bodyPr>
+          <a:lstStyle/>
+          <a:p>
+            <a:pPr>
+              <a:defRPr sz="3200" b="1">
+                <a:solidFill>
+                  <a:srgbClr val="101C42"/>
+                </a:solidFill>
+              </a:defRPr>
+            </a:pPr>
+            <a:r>
+              <a:t>The 4 Levels of Work</a:t>
+            </a:r>
+          </a:p>
+        </p:txBody>
+      </p:sp>
+      <p:sp>
+        <p:nvSpPr>
+          <p:cNvPr id="3" name="Rectangle 2"/>
+          <p:cNvSpPr/>
+          <p:nvPr/>
+        </p:nvSpPr>
+        <p:spPr>
+          <a:xfrm>
+            <a:off x="3200400" y="1097280"/>
+            <a:ext cx="2743200" cy="731520"/>
           </a:xfrm>
           <a:prstGeom prst="rect">
             <a:avLst/>
           </a:prstGeom>
           <a:solidFill>
-            <a:srgbClr val="101C42"/>
+            <a:srgbClr val="C0392B"/>
           </a:solidFill>
-        </p:spPr>
-        <p:txBody>
-          <a:bodyPr wrap="none" anchor="ctr" lIns="457200">
-            <a:spAutoFit/>
-          </a:bodyPr>
-          <a:lstStyle/>
-          <a:p>
-            <a:pPr>
-              <a:defRPr sz="2800" b="1">
-                <a:solidFill>
-                  <a:srgbClr val="FFFFFF"/>
-                </a:solidFill>
-              </a:defRPr>
-            </a:pPr>
-            <a:r>
-              <a:t>The Levels of Work Framework</a:t>
-            </a:r>
-          </a:p>
-        </p:txBody>
-      </p:sp>
-      <p:sp>
-        <p:nvSpPr>
-          <p:cNvPr id="3" name="TextBox 2"/>
+          <a:ln w="25400">
+            <a:solidFill>
+              <a:srgbClr val="101C42"/>
+            </a:solidFill>
+          </a:ln>
+        </p:spPr>
+        <p:style>
+          <a:lnRef idx="1">
+            <a:schemeClr val="accent1"/>
+          </a:lnRef>
+          <a:fillRef idx="3">
+            <a:schemeClr val="accent1"/>
+          </a:fillRef>
+          <a:effectRef idx="2">
+            <a:schemeClr val="accent1"/>
+          </a:effectRef>
+          <a:fontRef idx="minor">
+            <a:schemeClr val="lt1"/>
+          </a:fontRef>
+        </p:style>
+        <p:txBody>
+          <a:bodyPr rtlCol="0" anchor="ctr"/>
+          <a:lstStyle/>
+          <a:p>
+            <a:pPr algn="ctr"/>
+          </a:p>
+        </p:txBody>
+      </p:sp>
+      <p:sp>
+        <p:nvSpPr>
+          <p:cNvPr id="4" name="TextBox 3"/>
           <p:cNvSpPr txBox="1"/>
           <p:nvPr/>
         </p:nvSpPr>
         <p:spPr>
           <a:xfrm>
-            <a:off x="731520" y="1371600"/>
-            <a:ext cx="7680960" cy="5029200"/>
+            <a:off x="3200400" y="1188720"/>
+            <a:ext cx="2743200" cy="548640"/>
           </a:xfrm>
           <a:prstGeom prst="rect">
             <a:avLst/>
@@ -4401,99 +3490,280 @@
           <a:noFill/>
         </p:spPr>
         <p:txBody>
-          <a:bodyPr wrap="square">
+          <a:bodyPr wrap="none">
             <a:spAutoFit/>
           </a:bodyPr>
           <a:lstStyle/>
-          <a:p/>
-          <a:p>
-            <a:pPr>
-              <a:spcBef>
-                <a:spcPts val="1200"/>
-              </a:spcBef>
-              <a:defRPr sz="1800"/>
-            </a:pPr>
-            <a:r>
-              <a:t>A proven methodology to design organizational structures based on:</a:t>
-            </a:r>
-          </a:p>
-          <a:p>
-            <a:pPr>
-              <a:spcBef>
-                <a:spcPts val="1200"/>
-              </a:spcBef>
-              <a:defRPr sz="1800"/>
-            </a:pPr>
-          </a:p>
-          <a:p>
-            <a:pPr>
-              <a:spcBef>
-                <a:spcPts val="1200"/>
-              </a:spcBef>
-              <a:defRPr sz="1800"/>
-            </a:pPr>
-            <a:r>
-              <a:t>  • Work complexity (not job titles)</a:t>
-            </a:r>
-          </a:p>
-          <a:p>
-            <a:pPr>
-              <a:spcBef>
-                <a:spcPts val="1200"/>
-              </a:spcBef>
-              <a:defRPr sz="1800"/>
-            </a:pPr>
-            <a:r>
-              <a:t>  • Time span of discretion</a:t>
-            </a:r>
-          </a:p>
-          <a:p>
-            <a:pPr>
-              <a:spcBef>
-                <a:spcPts val="1200"/>
-              </a:spcBef>
-              <a:defRPr sz="1800"/>
-            </a:pPr>
-            <a:r>
-              <a:t>  • Natural accountability levels</a:t>
-            </a:r>
-          </a:p>
-          <a:p>
-            <a:pPr>
-              <a:spcBef>
-                <a:spcPts val="1200"/>
-              </a:spcBef>
-              <a:defRPr sz="1800"/>
-            </a:pPr>
-          </a:p>
-          <a:p>
-            <a:pPr>
-              <a:spcBef>
-                <a:spcPts val="1200"/>
-              </a:spcBef>
-              <a:defRPr sz="1800"/>
-            </a:pPr>
-            <a:r>
-              <a:t>Based on Elliott Jaques' Requisite Organization theory</a:t>
-            </a:r>
-          </a:p>
-          <a:p>
-            <a:pPr>
-              <a:spcBef>
-                <a:spcPts val="1200"/>
-              </a:spcBef>
-              <a:defRPr sz="1800"/>
-            </a:pPr>
-          </a:p>
-          <a:p>
-            <a:pPr>
-              <a:spcBef>
-                <a:spcPts val="1200"/>
-              </a:spcBef>
-              <a:defRPr sz="1800"/>
-            </a:pPr>
-            <a:r>
-              <a:t>Adapted for South African SMMEs with 5-20 employees</a:t>
+          <a:p>
+            <a:pPr algn="ctr">
+              <a:defRPr sz="1400" b="1">
+                <a:solidFill>
+                  <a:srgbClr val="FFFFFF"/>
+                </a:solidFill>
+              </a:defRPr>
+            </a:pPr>
+            <a:r>
+              <a:t>Level 4: Decides Value</a:t>
+            </a:r>
+          </a:p>
+          <a:p>
+            <a:r>
+              <a:t>Strategy</a:t>
+            </a:r>
+          </a:p>
+        </p:txBody>
+      </p:sp>
+      <p:sp>
+        <p:nvSpPr>
+          <p:cNvPr id="5" name="Rectangle 4"/>
+          <p:cNvSpPr/>
+          <p:nvPr/>
+        </p:nvSpPr>
+        <p:spPr>
+          <a:xfrm>
+            <a:off x="2560320" y="1920240"/>
+            <a:ext cx="4023360" cy="731520"/>
+          </a:xfrm>
+          <a:prstGeom prst="rect">
+            <a:avLst/>
+          </a:prstGeom>
+          <a:solidFill>
+            <a:srgbClr val="E67E22"/>
+          </a:solidFill>
+          <a:ln w="25400">
+            <a:solidFill>
+              <a:srgbClr val="101C42"/>
+            </a:solidFill>
+          </a:ln>
+        </p:spPr>
+        <p:style>
+          <a:lnRef idx="1">
+            <a:schemeClr val="accent1"/>
+          </a:lnRef>
+          <a:fillRef idx="3">
+            <a:schemeClr val="accent1"/>
+          </a:fillRef>
+          <a:effectRef idx="2">
+            <a:schemeClr val="accent1"/>
+          </a:effectRef>
+          <a:fontRef idx="minor">
+            <a:schemeClr val="lt1"/>
+          </a:fontRef>
+        </p:style>
+        <p:txBody>
+          <a:bodyPr rtlCol="0" anchor="ctr"/>
+          <a:lstStyle/>
+          <a:p>
+            <a:pPr algn="ctr"/>
+          </a:p>
+        </p:txBody>
+      </p:sp>
+      <p:sp>
+        <p:nvSpPr>
+          <p:cNvPr id="6" name="TextBox 5"/>
+          <p:cNvSpPr txBox="1"/>
+          <p:nvPr/>
+        </p:nvSpPr>
+        <p:spPr>
+          <a:xfrm>
+            <a:off x="2560320" y="2011680"/>
+            <a:ext cx="4023360" cy="548640"/>
+          </a:xfrm>
+          <a:prstGeom prst="rect">
+            <a:avLst/>
+          </a:prstGeom>
+          <a:noFill/>
+        </p:spPr>
+        <p:txBody>
+          <a:bodyPr wrap="none">
+            <a:spAutoFit/>
+          </a:bodyPr>
+          <a:lstStyle/>
+          <a:p>
+            <a:pPr algn="ctr">
+              <a:defRPr sz="1400" b="1">
+                <a:solidFill>
+                  <a:srgbClr val="FFFFFF"/>
+                </a:solidFill>
+              </a:defRPr>
+            </a:pPr>
+            <a:r>
+              <a:t>Level 3: Controls Value</a:t>
+            </a:r>
+          </a:p>
+          <a:p>
+            <a:r>
+              <a:t>Management</a:t>
+            </a:r>
+          </a:p>
+        </p:txBody>
+      </p:sp>
+      <p:sp>
+        <p:nvSpPr>
+          <p:cNvPr id="7" name="Rectangle 6"/>
+          <p:cNvSpPr/>
+          <p:nvPr/>
+        </p:nvSpPr>
+        <p:spPr>
+          <a:xfrm>
+            <a:off x="1920240" y="2743200"/>
+            <a:ext cx="5303520" cy="731520"/>
+          </a:xfrm>
+          <a:prstGeom prst="rect">
+            <a:avLst/>
+          </a:prstGeom>
+          <a:solidFill>
+            <a:srgbClr val="3498DB"/>
+          </a:solidFill>
+          <a:ln w="25400">
+            <a:solidFill>
+              <a:srgbClr val="101C42"/>
+            </a:solidFill>
+          </a:ln>
+        </p:spPr>
+        <p:style>
+          <a:lnRef idx="1">
+            <a:schemeClr val="accent1"/>
+          </a:lnRef>
+          <a:fillRef idx="3">
+            <a:schemeClr val="accent1"/>
+          </a:fillRef>
+          <a:effectRef idx="2">
+            <a:schemeClr val="accent1"/>
+          </a:effectRef>
+          <a:fontRef idx="minor">
+            <a:schemeClr val="lt1"/>
+          </a:fontRef>
+        </p:style>
+        <p:txBody>
+          <a:bodyPr rtlCol="0" anchor="ctr"/>
+          <a:lstStyle/>
+          <a:p>
+            <a:pPr algn="ctr"/>
+          </a:p>
+        </p:txBody>
+      </p:sp>
+      <p:sp>
+        <p:nvSpPr>
+          <p:cNvPr id="8" name="TextBox 7"/>
+          <p:cNvSpPr txBox="1"/>
+          <p:nvPr/>
+        </p:nvSpPr>
+        <p:spPr>
+          <a:xfrm>
+            <a:off x="1920240" y="2834640"/>
+            <a:ext cx="5303520" cy="548640"/>
+          </a:xfrm>
+          <a:prstGeom prst="rect">
+            <a:avLst/>
+          </a:prstGeom>
+          <a:noFill/>
+        </p:spPr>
+        <p:txBody>
+          <a:bodyPr wrap="none">
+            <a:spAutoFit/>
+          </a:bodyPr>
+          <a:lstStyle/>
+          <a:p>
+            <a:pPr algn="ctr">
+              <a:defRPr sz="1400" b="1">
+                <a:solidFill>
+                  <a:srgbClr val="FFFFFF"/>
+                </a:solidFill>
+              </a:defRPr>
+            </a:pPr>
+            <a:r>
+              <a:t>Level 2: Coordinates Value</a:t>
+            </a:r>
+          </a:p>
+          <a:p>
+            <a:r>
+              <a:t>Supervision</a:t>
+            </a:r>
+          </a:p>
+        </p:txBody>
+      </p:sp>
+      <p:sp>
+        <p:nvSpPr>
+          <p:cNvPr id="9" name="Rectangle 8"/>
+          <p:cNvSpPr/>
+          <p:nvPr/>
+        </p:nvSpPr>
+        <p:spPr>
+          <a:xfrm>
+            <a:off x="1280160" y="3566160"/>
+            <a:ext cx="6583680" cy="731520"/>
+          </a:xfrm>
+          <a:prstGeom prst="rect">
+            <a:avLst/>
+          </a:prstGeom>
+          <a:solidFill>
+            <a:srgbClr val="2ECC71"/>
+          </a:solidFill>
+          <a:ln w="25400">
+            <a:solidFill>
+              <a:srgbClr val="101C42"/>
+            </a:solidFill>
+          </a:ln>
+        </p:spPr>
+        <p:style>
+          <a:lnRef idx="1">
+            <a:schemeClr val="accent1"/>
+          </a:lnRef>
+          <a:fillRef idx="3">
+            <a:schemeClr val="accent1"/>
+          </a:fillRef>
+          <a:effectRef idx="2">
+            <a:schemeClr val="accent1"/>
+          </a:effectRef>
+          <a:fontRef idx="minor">
+            <a:schemeClr val="lt1"/>
+          </a:fontRef>
+        </p:style>
+        <p:txBody>
+          <a:bodyPr rtlCol="0" anchor="ctr"/>
+          <a:lstStyle/>
+          <a:p>
+            <a:pPr algn="ctr"/>
+          </a:p>
+        </p:txBody>
+      </p:sp>
+      <p:sp>
+        <p:nvSpPr>
+          <p:cNvPr id="10" name="TextBox 9"/>
+          <p:cNvSpPr txBox="1"/>
+          <p:nvPr/>
+        </p:nvSpPr>
+        <p:spPr>
+          <a:xfrm>
+            <a:off x="1280160" y="3657600"/>
+            <a:ext cx="6583680" cy="548640"/>
+          </a:xfrm>
+          <a:prstGeom prst="rect">
+            <a:avLst/>
+          </a:prstGeom>
+          <a:noFill/>
+        </p:spPr>
+        <p:txBody>
+          <a:bodyPr wrap="none">
+            <a:spAutoFit/>
+          </a:bodyPr>
+          <a:lstStyle/>
+          <a:p>
+            <a:pPr algn="ctr">
+              <a:defRPr sz="1400" b="1">
+                <a:solidFill>
+                  <a:srgbClr val="FFFFFF"/>
+                </a:solidFill>
+              </a:defRPr>
+            </a:pPr>
+            <a:r>
+              <a:t>Level 1: Added Value</a:t>
+            </a:r>
+          </a:p>
+          <a:p>
+            <a:r>
+              <a:t>Operations (Do the work)</a:t>
             </a:r>
           </a:p>
         </p:txBody>
@@ -4509,6 +3779,14 @@
 <file path=ppt/slides/slide4.xml><?xml version="1.0" encoding="utf-8"?>
 <p:sld xmlns:a="http://schemas.openxmlformats.org/drawingml/2006/main" xmlns:p="http://schemas.openxmlformats.org/presentationml/2006/main" xmlns:r="http://schemas.openxmlformats.org/officeDocument/2006/relationships">
   <p:cSld>
+    <p:bg>
+      <p:bgPr>
+        <a:solidFill>
+          <a:srgbClr val="101C42"/>
+        </a:solidFill>
+        <a:effectLst/>
+      </p:bgPr>
+    </p:bg>
     <p:spTree>
       <p:nvGrpSpPr>
         <p:cNvPr id="1" name=""/>
@@ -4524,405 +3802,259 @@
         </p:nvSpPr>
         <p:spPr>
           <a:xfrm>
-            <a:off x="0" y="0"/>
-            <a:ext cx="9144000" cy="731520"/>
+            <a:off x="640080" y="1371600"/>
+            <a:ext cx="1828800" cy="1828800"/>
+          </a:xfrm>
+          <a:prstGeom prst="rect">
+            <a:avLst/>
+          </a:prstGeom>
+          <a:noFill/>
+        </p:spPr>
+        <p:txBody>
+          <a:bodyPr wrap="none">
+            <a:spAutoFit/>
+          </a:bodyPr>
+          <a:lstStyle/>
+          <a:p>
+            <a:pPr algn="ctr">
+              <a:defRPr sz="4800" b="1">
+                <a:solidFill>
+                  <a:srgbClr val="2ECC71"/>
+                </a:solidFill>
+              </a:defRPr>
+            </a:pPr>
+            <a:r>
+              <a:t>LEVEL</a:t>
+            </a:r>
+          </a:p>
+          <a:p>
+            <a:r>
+              <a:t>1</a:t>
+            </a:r>
+          </a:p>
+        </p:txBody>
+      </p:sp>
+      <p:sp>
+        <p:nvSpPr>
+          <p:cNvPr id="3" name="Rectangle 2"/>
+          <p:cNvSpPr/>
+          <p:nvPr/>
+        </p:nvSpPr>
+        <p:spPr>
+          <a:xfrm>
+            <a:off x="2743200" y="914400"/>
+            <a:ext cx="73152" cy="3657600"/>
           </a:xfrm>
           <a:prstGeom prst="rect">
             <a:avLst/>
           </a:prstGeom>
           <a:solidFill>
-            <a:srgbClr val="101C42"/>
+            <a:srgbClr val="FFFFFF"/>
           </a:solidFill>
-        </p:spPr>
-        <p:txBody>
-          <a:bodyPr wrap="none" anchor="ctr" lIns="457200">
+          <a:ln>
+            <a:solidFill>
+              <a:srgbClr val="FFFFFF"/>
+            </a:solidFill>
+          </a:ln>
+        </p:spPr>
+        <p:style>
+          <a:lnRef idx="1">
+            <a:schemeClr val="accent1"/>
+          </a:lnRef>
+          <a:fillRef idx="3">
+            <a:schemeClr val="accent1"/>
+          </a:fillRef>
+          <a:effectRef idx="2">
+            <a:schemeClr val="accent1"/>
+          </a:effectRef>
+          <a:fontRef idx="minor">
+            <a:schemeClr val="lt1"/>
+          </a:fontRef>
+        </p:style>
+        <p:txBody>
+          <a:bodyPr rtlCol="0" anchor="ctr"/>
+          <a:lstStyle/>
+          <a:p>
+            <a:pPr algn="ctr"/>
+          </a:p>
+        </p:txBody>
+      </p:sp>
+      <p:sp>
+        <p:nvSpPr>
+          <p:cNvPr id="4" name="TextBox 3"/>
+          <p:cNvSpPr txBox="1"/>
+          <p:nvPr/>
+        </p:nvSpPr>
+        <p:spPr>
+          <a:xfrm>
+            <a:off x="3200400" y="914400"/>
+            <a:ext cx="5486400" cy="548640"/>
+          </a:xfrm>
+          <a:prstGeom prst="rect">
+            <a:avLst/>
+          </a:prstGeom>
+          <a:noFill/>
+        </p:spPr>
+        <p:txBody>
+          <a:bodyPr wrap="none">
             <a:spAutoFit/>
           </a:bodyPr>
           <a:lstStyle/>
           <a:p>
             <a:pPr>
-              <a:defRPr sz="2800" b="1">
-                <a:solidFill>
-                  <a:srgbClr val="FFFFFF"/>
-                </a:solidFill>
-              </a:defRPr>
-            </a:pPr>
-            <a:r>
-              <a:t>The 4 Levels of Work</a:t>
-            </a:r>
-          </a:p>
-        </p:txBody>
-      </p:sp>
-      <p:graphicFrame>
-        <p:nvGraphicFramePr>
-          <p:cNvPr id="3" name="Table 2"/>
-          <p:cNvGraphicFramePr>
-            <a:graphicFrameLocks noGrp="1"/>
-          </p:cNvGraphicFramePr>
+              <a:defRPr sz="3200" b="1">
+                <a:solidFill>
+                  <a:srgbClr val="2ECC71"/>
+                </a:solidFill>
+              </a:defRPr>
+            </a:pPr>
+            <a:r>
+              <a:t>ADDED VALUE</a:t>
+            </a:r>
+          </a:p>
+        </p:txBody>
+      </p:sp>
+      <p:sp>
+        <p:nvSpPr>
+          <p:cNvPr id="5" name="TextBox 4"/>
+          <p:cNvSpPr txBox="1"/>
           <p:nvPr/>
-        </p:nvGraphicFramePr>
-        <p:xfrm>
-          <a:off x="457200" y="1371600"/>
-          <a:ext cx="8229600" cy="4572000"/>
-        </p:xfrm>
-        <a:graphic>
-          <a:graphicData uri="http://schemas.openxmlformats.org/drawingml/2006/table">
-            <a:tbl>
-              <a:tblPr firstRow="1" bandRow="1">
-                <a:tableStyleId>{5C22544A-7EE6-4342-B048-85BDC9FD1C3A}</a:tableStyleId>
-              </a:tblPr>
-              <a:tblGrid>
-                <a:gridCol w="2057400"/>
-                <a:gridCol w="2057400"/>
-                <a:gridCol w="2057400"/>
-                <a:gridCol w="2057400"/>
-              </a:tblGrid>
-              <a:tr h="914400">
-                <a:tc>
-                  <a:txBody>
-                    <a:bodyPr/>
-                    <a:lstStyle/>
-                    <a:p>
-                      <a:pPr>
-                        <a:defRPr sz="1400" b="1">
-                          <a:solidFill>
-                            <a:srgbClr val="FFFFFF"/>
-                          </a:solidFill>
-                        </a:defRPr>
-                      </a:pPr>
-                      <a:r>
-                        <a:t>Level</a:t>
-                      </a:r>
-                    </a:p>
-                  </a:txBody>
-                  <a:tcPr>
-                    <a:solidFill>
-                      <a:srgbClr val="4472C4"/>
-                    </a:solidFill>
-                  </a:tcPr>
-                </a:tc>
-                <a:tc>
-                  <a:txBody>
-                    <a:bodyPr/>
-                    <a:lstStyle/>
-                    <a:p>
-                      <a:pPr>
-                        <a:defRPr sz="1400" b="1">
-                          <a:solidFill>
-                            <a:srgbClr val="FFFFFF"/>
-                          </a:solidFill>
-                        </a:defRPr>
-                      </a:pPr>
-                      <a:r>
-                        <a:t>Title</a:t>
-                      </a:r>
-                    </a:p>
-                  </a:txBody>
-                  <a:tcPr>
-                    <a:solidFill>
-                      <a:srgbClr val="4472C4"/>
-                    </a:solidFill>
-                  </a:tcPr>
-                </a:tc>
-                <a:tc>
-                  <a:txBody>
-                    <a:bodyPr/>
-                    <a:lstStyle/>
-                    <a:p>
-                      <a:pPr>
-                        <a:defRPr sz="1400" b="1">
-                          <a:solidFill>
-                            <a:srgbClr val="FFFFFF"/>
-                          </a:solidFill>
-                        </a:defRPr>
-                      </a:pPr>
-                      <a:r>
-                        <a:t>Core Function</a:t>
-                      </a:r>
-                    </a:p>
-                  </a:txBody>
-                  <a:tcPr>
-                    <a:solidFill>
-                      <a:srgbClr val="4472C4"/>
-                    </a:solidFill>
-                  </a:tcPr>
-                </a:tc>
-                <a:tc>
-                  <a:txBody>
-                    <a:bodyPr/>
-                    <a:lstStyle/>
-                    <a:p>
-                      <a:pPr>
-                        <a:defRPr sz="1400" b="1">
-                          <a:solidFill>
-                            <a:srgbClr val="FFFFFF"/>
-                          </a:solidFill>
-                        </a:defRPr>
-                      </a:pPr>
-                      <a:r>
-                        <a:t>Time Horizon</a:t>
-                      </a:r>
-                    </a:p>
-                  </a:txBody>
-                  <a:tcPr>
-                    <a:solidFill>
-                      <a:srgbClr val="4472C4"/>
-                    </a:solidFill>
-                  </a:tcPr>
-                </a:tc>
-              </a:tr>
-              <a:tr h="914400">
-                <a:tc>
-                  <a:txBody>
-                    <a:bodyPr/>
-                    <a:lstStyle/>
-                    <a:p>
-                      <a:pPr>
-                        <a:defRPr sz="1200"/>
-                      </a:pPr>
-                      <a:r>
-                        <a:t>1</a:t>
-                      </a:r>
-                    </a:p>
-                  </a:txBody>
-                  <a:tcPr/>
-                </a:tc>
-                <a:tc>
-                  <a:txBody>
-                    <a:bodyPr/>
-                    <a:lstStyle/>
-                    <a:p>
-                      <a:pPr>
-                        <a:defRPr sz="1200"/>
-                      </a:pPr>
-                      <a:r>
-                        <a:t>Added Value</a:t>
-                      </a:r>
-                    </a:p>
-                  </a:txBody>
-                  <a:tcPr/>
-                </a:tc>
-                <a:tc>
-                  <a:txBody>
-                    <a:bodyPr/>
-                    <a:lstStyle/>
-                    <a:p>
-                      <a:pPr>
-                        <a:defRPr sz="1200"/>
-                      </a:pPr>
-                      <a:r>
-                        <a:t>Do</a:t>
-                      </a:r>
-                    </a:p>
-                  </a:txBody>
-                  <a:tcPr/>
-                </a:tc>
-                <a:tc>
-                  <a:txBody>
-                    <a:bodyPr/>
-                    <a:lstStyle/>
-                    <a:p>
-                      <a:pPr>
-                        <a:defRPr sz="1200"/>
-                      </a:pPr>
-                      <a:r>
-                        <a:t>Up to 3 months</a:t>
-                      </a:r>
-                    </a:p>
-                  </a:txBody>
-                  <a:tcPr/>
-                </a:tc>
-              </a:tr>
-              <a:tr h="914400">
-                <a:tc>
-                  <a:txBody>
-                    <a:bodyPr/>
-                    <a:lstStyle/>
-                    <a:p>
-                      <a:pPr>
-                        <a:defRPr sz="1200"/>
-                      </a:pPr>
-                      <a:r>
-                        <a:t>2</a:t>
-                      </a:r>
-                    </a:p>
-                  </a:txBody>
-                  <a:tcPr/>
-                </a:tc>
-                <a:tc>
-                  <a:txBody>
-                    <a:bodyPr/>
-                    <a:lstStyle/>
-                    <a:p>
-                      <a:pPr>
-                        <a:defRPr sz="1200"/>
-                      </a:pPr>
-                      <a:r>
-                        <a:t>Coordinates Value</a:t>
-                      </a:r>
-                    </a:p>
-                  </a:txBody>
-                  <a:tcPr/>
-                </a:tc>
-                <a:tc>
-                  <a:txBody>
-                    <a:bodyPr/>
-                    <a:lstStyle/>
-                    <a:p>
-                      <a:pPr>
-                        <a:defRPr sz="1200"/>
-                      </a:pPr>
-                      <a:r>
-                        <a:t>Supervise</a:t>
-                      </a:r>
-                    </a:p>
-                  </a:txBody>
-                  <a:tcPr/>
-                </a:tc>
-                <a:tc>
-                  <a:txBody>
-                    <a:bodyPr/>
-                    <a:lstStyle/>
-                    <a:p>
-                      <a:pPr>
-                        <a:defRPr sz="1200"/>
-                      </a:pPr>
-                      <a:r>
-                        <a:t>3-12 months</a:t>
-                      </a:r>
-                    </a:p>
-                  </a:txBody>
-                  <a:tcPr/>
-                </a:tc>
-              </a:tr>
-              <a:tr h="914400">
-                <a:tc>
-                  <a:txBody>
-                    <a:bodyPr/>
-                    <a:lstStyle/>
-                    <a:p>
-                      <a:pPr>
-                        <a:defRPr sz="1200"/>
-                      </a:pPr>
-                      <a:r>
-                        <a:t>3</a:t>
-                      </a:r>
-                    </a:p>
-                  </a:txBody>
-                  <a:tcPr/>
-                </a:tc>
-                <a:tc>
-                  <a:txBody>
-                    <a:bodyPr/>
-                    <a:lstStyle/>
-                    <a:p>
-                      <a:pPr>
-                        <a:defRPr sz="1200"/>
-                      </a:pPr>
-                      <a:r>
-                        <a:t>Controls Value</a:t>
-                      </a:r>
-                    </a:p>
-                  </a:txBody>
-                  <a:tcPr/>
-                </a:tc>
-                <a:tc>
-                  <a:txBody>
-                    <a:bodyPr/>
-                    <a:lstStyle/>
-                    <a:p>
-                      <a:pPr>
-                        <a:defRPr sz="1200"/>
-                      </a:pPr>
-                      <a:r>
-                        <a:t>Manage</a:t>
-                      </a:r>
-                    </a:p>
-                  </a:txBody>
-                  <a:tcPr/>
-                </a:tc>
-                <a:tc>
-                  <a:txBody>
-                    <a:bodyPr/>
-                    <a:lstStyle/>
-                    <a:p>
-                      <a:pPr>
-                        <a:defRPr sz="1200"/>
-                      </a:pPr>
-                      <a:r>
-                        <a:t>1-2 years</a:t>
-                      </a:r>
-                    </a:p>
-                  </a:txBody>
-                  <a:tcPr/>
-                </a:tc>
-              </a:tr>
-              <a:tr h="914400">
-                <a:tc>
-                  <a:txBody>
-                    <a:bodyPr/>
-                    <a:lstStyle/>
-                    <a:p>
-                      <a:pPr>
-                        <a:defRPr sz="1200"/>
-                      </a:pPr>
-                      <a:r>
-                        <a:t>4</a:t>
-                      </a:r>
-                    </a:p>
-                  </a:txBody>
-                  <a:tcPr/>
-                </a:tc>
-                <a:tc>
-                  <a:txBody>
-                    <a:bodyPr/>
-                    <a:lstStyle/>
-                    <a:p>
-                      <a:pPr>
-                        <a:defRPr sz="1200"/>
-                      </a:pPr>
-                      <a:r>
-                        <a:t>Decides Value</a:t>
-                      </a:r>
-                    </a:p>
-                  </a:txBody>
-                  <a:tcPr/>
-                </a:tc>
-                <a:tc>
-                  <a:txBody>
-                    <a:bodyPr/>
-                    <a:lstStyle/>
-                    <a:p>
-                      <a:pPr>
-                        <a:defRPr sz="1200"/>
-                      </a:pPr>
-                      <a:r>
-                        <a:t>Strategize</a:t>
-                      </a:r>
-                    </a:p>
-                  </a:txBody>
-                  <a:tcPr/>
-                </a:tc>
-                <a:tc>
-                  <a:txBody>
-                    <a:bodyPr/>
-                    <a:lstStyle/>
-                    <a:p>
-                      <a:pPr>
-                        <a:defRPr sz="1200"/>
-                      </a:pPr>
-                      <a:r>
-                        <a:t>2-5 years</a:t>
-                      </a:r>
-                    </a:p>
-                  </a:txBody>
-                  <a:tcPr/>
-                </a:tc>
-              </a:tr>
-            </a:tbl>
-          </a:graphicData>
-        </a:graphic>
-      </p:graphicFrame>
+        </p:nvSpPr>
+        <p:spPr>
+          <a:xfrm>
+            <a:off x="3200400" y="1554480"/>
+            <a:ext cx="5486400" cy="457200"/>
+          </a:xfrm>
+          <a:prstGeom prst="rect">
+            <a:avLst/>
+          </a:prstGeom>
+          <a:noFill/>
+        </p:spPr>
+        <p:txBody>
+          <a:bodyPr wrap="none">
+            <a:spAutoFit/>
+          </a:bodyPr>
+          <a:lstStyle/>
+          <a:p>
+            <a:pPr>
+              <a:defRPr sz="1800" i="1">
+                <a:solidFill>
+                  <a:srgbClr val="FFFFFF"/>
+                </a:solidFill>
+              </a:defRPr>
+            </a:pPr>
+            <a:r>
+              <a:t>DO the work</a:t>
+            </a:r>
+          </a:p>
+        </p:txBody>
+      </p:sp>
+      <p:sp>
+        <p:nvSpPr>
+          <p:cNvPr id="6" name="TextBox 5"/>
+          <p:cNvSpPr txBox="1"/>
+          <p:nvPr/>
+        </p:nvSpPr>
+        <p:spPr>
+          <a:xfrm>
+            <a:off x="3200400" y="2194560"/>
+            <a:ext cx="5303520" cy="731520"/>
+          </a:xfrm>
+          <a:prstGeom prst="rect">
+            <a:avLst/>
+          </a:prstGeom>
+          <a:noFill/>
+        </p:spPr>
+        <p:txBody>
+          <a:bodyPr wrap="none">
+            <a:spAutoFit/>
+          </a:bodyPr>
+          <a:lstStyle/>
+          <a:p>
+            <a:pPr>
+              <a:defRPr sz="1400">
+                <a:solidFill>
+                  <a:srgbClr val="FFFFFF"/>
+                </a:solidFill>
+              </a:defRPr>
+            </a:pPr>
+            <a:r>
+              <a:t>Operational workers who directly create value for customers</a:t>
+            </a:r>
+          </a:p>
+        </p:txBody>
+      </p:sp>
+      <p:sp>
+        <p:nvSpPr>
+          <p:cNvPr id="7" name="TextBox 6"/>
+          <p:cNvSpPr txBox="1"/>
+          <p:nvPr/>
+        </p:nvSpPr>
+        <p:spPr>
+          <a:xfrm>
+            <a:off x="3200400" y="3017520"/>
+            <a:ext cx="5303520" cy="1828800"/>
+          </a:xfrm>
+          <a:prstGeom prst="rect">
+            <a:avLst/>
+          </a:prstGeom>
+          <a:noFill/>
+        </p:spPr>
+        <p:txBody>
+          <a:bodyPr wrap="none">
+            <a:spAutoFit/>
+          </a:bodyPr>
+          <a:lstStyle/>
+          <a:p>
+            <a:pPr>
+              <a:defRPr sz="1300">
+                <a:solidFill>
+                  <a:srgbClr val="FFFFFF"/>
+                </a:solidFill>
+              </a:defRPr>
+            </a:pPr>
+            <a:r>
+              <a:t>• Who physically makes the product or delivers the service?</a:t>
+            </a:r>
+          </a:p>
+          <a:p>
+            <a:pPr>
+              <a:defRPr sz="1300">
+                <a:solidFill>
+                  <a:srgbClr val="FFFFFF"/>
+                </a:solidFill>
+              </a:defRPr>
+            </a:pPr>
+            <a:r>
+              <a:t>• Who interacts directly with customers?</a:t>
+            </a:r>
+          </a:p>
+          <a:p>
+            <a:pPr>
+              <a:defRPr sz="1300">
+                <a:solidFill>
+                  <a:srgbClr val="FFFFFF"/>
+                </a:solidFill>
+              </a:defRPr>
+            </a:pPr>
+            <a:r>
+              <a:t>• Who operates equipment or tools?</a:t>
+            </a:r>
+          </a:p>
+          <a:p>
+            <a:pPr>
+              <a:defRPr sz="1300">
+                <a:solidFill>
+                  <a:srgbClr val="FFFFFF"/>
+                </a:solidFill>
+              </a:defRPr>
+            </a:pPr>
+            <a:r>
+              <a:t>• Examples: Bakers, drivers, sales assistants, technicians</a:t>
+            </a:r>
+          </a:p>
+        </p:txBody>
+      </p:sp>
     </p:spTree>
   </p:cSld>
   <p:clrMapOvr>
@@ -4934,6 +4066,14 @@
 <file path=ppt/slides/slide5.xml><?xml version="1.0" encoding="utf-8"?>
 <p:sld xmlns:a="http://schemas.openxmlformats.org/drawingml/2006/main" xmlns:p="http://schemas.openxmlformats.org/presentationml/2006/main" xmlns:r="http://schemas.openxmlformats.org/officeDocument/2006/relationships">
   <p:cSld>
+    <p:bg>
+      <p:bgPr>
+        <a:solidFill>
+          <a:srgbClr val="101C42"/>
+        </a:solidFill>
+        <a:effectLst/>
+      </p:bgPr>
+    </p:bg>
     <p:spTree>
       <p:nvGrpSpPr>
         <p:cNvPr id="1" name=""/>
@@ -4949,45 +4089,93 @@
         </p:nvSpPr>
         <p:spPr>
           <a:xfrm>
-            <a:off x="0" y="0"/>
-            <a:ext cx="9144000" cy="731520"/>
+            <a:off x="640080" y="1371600"/>
+            <a:ext cx="1828800" cy="1828800"/>
+          </a:xfrm>
+          <a:prstGeom prst="rect">
+            <a:avLst/>
+          </a:prstGeom>
+          <a:noFill/>
+        </p:spPr>
+        <p:txBody>
+          <a:bodyPr wrap="none">
+            <a:spAutoFit/>
+          </a:bodyPr>
+          <a:lstStyle/>
+          <a:p>
+            <a:pPr algn="ctr">
+              <a:defRPr sz="4800" b="1">
+                <a:solidFill>
+                  <a:srgbClr val="3498DB"/>
+                </a:solidFill>
+              </a:defRPr>
+            </a:pPr>
+            <a:r>
+              <a:t>LEVEL</a:t>
+            </a:r>
+          </a:p>
+          <a:p>
+            <a:r>
+              <a:t>2</a:t>
+            </a:r>
+          </a:p>
+        </p:txBody>
+      </p:sp>
+      <p:sp>
+        <p:nvSpPr>
+          <p:cNvPr id="3" name="Rectangle 2"/>
+          <p:cNvSpPr/>
+          <p:nvPr/>
+        </p:nvSpPr>
+        <p:spPr>
+          <a:xfrm>
+            <a:off x="2743200" y="914400"/>
+            <a:ext cx="73152" cy="3657600"/>
           </a:xfrm>
           <a:prstGeom prst="rect">
             <a:avLst/>
           </a:prstGeom>
           <a:solidFill>
-            <a:srgbClr val="101C42"/>
+            <a:srgbClr val="FFFFFF"/>
           </a:solidFill>
-        </p:spPr>
-        <p:txBody>
-          <a:bodyPr wrap="none" anchor="ctr" lIns="457200">
-            <a:spAutoFit/>
-          </a:bodyPr>
-          <a:lstStyle/>
-          <a:p>
-            <a:pPr>
-              <a:defRPr sz="2800" b="1">
-                <a:solidFill>
-                  <a:srgbClr val="FFFFFF"/>
-                </a:solidFill>
-              </a:defRPr>
-            </a:pPr>
-            <a:r>
-              <a:t>Level 1: Added Value (Do)</a:t>
-            </a:r>
-          </a:p>
-        </p:txBody>
-      </p:sp>
-      <p:sp>
-        <p:nvSpPr>
-          <p:cNvPr id="3" name="TextBox 2"/>
+          <a:ln>
+            <a:solidFill>
+              <a:srgbClr val="FFFFFF"/>
+            </a:solidFill>
+          </a:ln>
+        </p:spPr>
+        <p:style>
+          <a:lnRef idx="1">
+            <a:schemeClr val="accent1"/>
+          </a:lnRef>
+          <a:fillRef idx="3">
+            <a:schemeClr val="accent1"/>
+          </a:fillRef>
+          <a:effectRef idx="2">
+            <a:schemeClr val="accent1"/>
+          </a:effectRef>
+          <a:fontRef idx="minor">
+            <a:schemeClr val="lt1"/>
+          </a:fontRef>
+        </p:style>
+        <p:txBody>
+          <a:bodyPr rtlCol="0" anchor="ctr"/>
+          <a:lstStyle/>
+          <a:p>
+            <a:pPr algn="ctr"/>
+          </a:p>
+        </p:txBody>
+      </p:sp>
+      <p:sp>
+        <p:nvSpPr>
+          <p:cNvPr id="4" name="TextBox 3"/>
           <p:cNvSpPr txBox="1"/>
           <p:nvPr/>
         </p:nvSpPr>
         <p:spPr>
           <a:xfrm>
-            <a:off x="731520" y="1371600"/>
-            <a:ext cx="7680960" cy="5029200"/>
+            <a:off x="3200400" y="914400"/>
+            <a:ext cx="5486400" cy="548640"/>
           </a:xfrm>
           <a:prstGeom prst="rect">
             <a:avLst/>
@@ -4995,135 +4183,161 @@
           <a:noFill/>
         </p:spPr>
         <p:txBody>
-          <a:bodyPr wrap="square">
+          <a:bodyPr wrap="none">
             <a:spAutoFit/>
           </a:bodyPr>
           <a:lstStyle/>
-          <a:p/>
           <a:p>
             <a:pPr>
-              <a:spcBef>
-                <a:spcPts val="1200"/>
-              </a:spcBef>
-              <a:defRPr sz="1800"/>
-            </a:pPr>
-            <a:r>
-              <a:t>The operational frontline - employees who directly create value</a:t>
-            </a:r>
-          </a:p>
+              <a:defRPr sz="3200" b="1">
+                <a:solidFill>
+                  <a:srgbClr val="3498DB"/>
+                </a:solidFill>
+              </a:defRPr>
+            </a:pPr>
+            <a:r>
+              <a:t>COORDINATES VALUE</a:t>
+            </a:r>
+          </a:p>
+        </p:txBody>
+      </p:sp>
+      <p:sp>
+        <p:nvSpPr>
+          <p:cNvPr id="5" name="TextBox 4"/>
+          <p:cNvSpPr txBox="1"/>
+          <p:nvPr/>
+        </p:nvSpPr>
+        <p:spPr>
+          <a:xfrm>
+            <a:off x="3200400" y="1554480"/>
+            <a:ext cx="5486400" cy="457200"/>
+          </a:xfrm>
+          <a:prstGeom prst="rect">
+            <a:avLst/>
+          </a:prstGeom>
+          <a:noFill/>
+        </p:spPr>
+        <p:txBody>
+          <a:bodyPr wrap="none">
+            <a:spAutoFit/>
+          </a:bodyPr>
+          <a:lstStyle/>
           <a:p>
             <a:pPr>
-              <a:spcBef>
-                <a:spcPts val="1200"/>
-              </a:spcBef>
-              <a:defRPr sz="1800"/>
-            </a:pPr>
-          </a:p>
+              <a:defRPr sz="1800" i="1">
+                <a:solidFill>
+                  <a:srgbClr val="FFFFFF"/>
+                </a:solidFill>
+              </a:defRPr>
+            </a:pPr>
+            <a:r>
+              <a:t>SUPERVISE the work</a:t>
+            </a:r>
+          </a:p>
+        </p:txBody>
+      </p:sp>
+      <p:sp>
+        <p:nvSpPr>
+          <p:cNvPr id="6" name="TextBox 5"/>
+          <p:cNvSpPr txBox="1"/>
+          <p:nvPr/>
+        </p:nvSpPr>
+        <p:spPr>
+          <a:xfrm>
+            <a:off x="3200400" y="2194560"/>
+            <a:ext cx="5303520" cy="731520"/>
+          </a:xfrm>
+          <a:prstGeom prst="rect">
+            <a:avLst/>
+          </a:prstGeom>
+          <a:noFill/>
+        </p:spPr>
+        <p:txBody>
+          <a:bodyPr wrap="none">
+            <a:spAutoFit/>
+          </a:bodyPr>
+          <a:lstStyle/>
           <a:p>
             <a:pPr>
-              <a:spcBef>
-                <a:spcPts val="1200"/>
-              </a:spcBef>
-              <a:defRPr sz="1800"/>
-            </a:pPr>
-            <a:r>
-              <a:t>Characteristics:</a:t>
-            </a:r>
-          </a:p>
+              <a:defRPr sz="1400">
+                <a:solidFill>
+                  <a:srgbClr val="FFFFFF"/>
+                </a:solidFill>
+              </a:defRPr>
+            </a:pPr>
+            <a:r>
+              <a:t>Supervisors who coordinate Level 1 workers and ensure quality</a:t>
+            </a:r>
+          </a:p>
+        </p:txBody>
+      </p:sp>
+      <p:sp>
+        <p:nvSpPr>
+          <p:cNvPr id="7" name="TextBox 6"/>
+          <p:cNvSpPr txBox="1"/>
+          <p:nvPr/>
+        </p:nvSpPr>
+        <p:spPr>
+          <a:xfrm>
+            <a:off x="3200400" y="3017520"/>
+            <a:ext cx="5303520" cy="1828800"/>
+          </a:xfrm>
+          <a:prstGeom prst="rect">
+            <a:avLst/>
+          </a:prstGeom>
+          <a:noFill/>
+        </p:spPr>
+        <p:txBody>
+          <a:bodyPr wrap="none">
+            <a:spAutoFit/>
+          </a:bodyPr>
+          <a:lstStyle/>
           <a:p>
             <a:pPr>
-              <a:spcBef>
-                <a:spcPts val="1200"/>
-              </a:spcBef>
-              <a:defRPr sz="1800"/>
-            </a:pPr>
-            <a:r>
-              <a:t>  • Concrete, tangible work</a:t>
+              <a:defRPr sz="1300">
+                <a:solidFill>
+                  <a:srgbClr val="FFFFFF"/>
+                </a:solidFill>
+              </a:defRPr>
+            </a:pPr>
+            <a:r>
+              <a:t>• Who makes sure Level 1 workers have what they need?</a:t>
             </a:r>
           </a:p>
           <a:p>
             <a:pPr>
-              <a:spcBef>
-                <a:spcPts val="1200"/>
-              </a:spcBef>
-              <a:defRPr sz="1800"/>
-            </a:pPr>
-            <a:r>
-              <a:t>  • Short time horizon (daily/weekly tasks)</a:t>
+              <a:defRPr sz="1300">
+                <a:solidFill>
+                  <a:srgbClr val="FFFFFF"/>
+                </a:solidFill>
+              </a:defRPr>
+            </a:pPr>
+            <a:r>
+              <a:t>• Who handles day-to-day problems and questions?</a:t>
             </a:r>
           </a:p>
           <a:p>
             <a:pPr>
-              <a:spcBef>
-                <a:spcPts val="1200"/>
-              </a:spcBef>
-              <a:defRPr sz="1800"/>
-            </a:pPr>
-            <a:r>
-              <a:t>  • Direct contribution to customer value</a:t>
+              <a:defRPr sz="1300">
+                <a:solidFill>
+                  <a:srgbClr val="FFFFFF"/>
+                </a:solidFill>
+              </a:defRPr>
+            </a:pPr>
+            <a:r>
+              <a:t>• Who checks quality and fixes immediate issues?</a:t>
             </a:r>
           </a:p>
           <a:p>
             <a:pPr>
-              <a:spcBef>
-                <a:spcPts val="1200"/>
-              </a:spcBef>
-              <a:defRPr sz="1800"/>
-            </a:pPr>
-          </a:p>
-          <a:p>
-            <a:pPr>
-              <a:spcBef>
-                <a:spcPts val="1200"/>
-              </a:spcBef>
-              <a:defRPr sz="1800"/>
-            </a:pPr>
-            <a:r>
-              <a:t>Examples:</a:t>
-            </a:r>
-          </a:p>
-          <a:p>
-            <a:pPr>
-              <a:spcBef>
-                <a:spcPts val="1200"/>
-              </a:spcBef>
-              <a:defRPr sz="1800"/>
-            </a:pPr>
-            <a:r>
-              <a:t>  • Craftsman building furniture</a:t>
-            </a:r>
-          </a:p>
-          <a:p>
-            <a:pPr>
-              <a:spcBef>
-                <a:spcPts val="1200"/>
-              </a:spcBef>
-              <a:defRPr sz="1800"/>
-            </a:pPr>
-            <a:r>
-              <a:t>  • Driver delivering goods</a:t>
-            </a:r>
-          </a:p>
-          <a:p>
-            <a:pPr>
-              <a:spcBef>
-                <a:spcPts val="1200"/>
-              </a:spcBef>
-              <a:defRPr sz="1800"/>
-            </a:pPr>
-            <a:r>
-              <a:t>  • Designer creating designs</a:t>
-            </a:r>
-          </a:p>
-          <a:p>
-            <a:pPr>
-              <a:spcBef>
-                <a:spcPts val="1200"/>
-              </a:spcBef>
-              <a:defRPr sz="1800"/>
-            </a:pPr>
-            <a:r>
-              <a:t>  • Cashier processing sales</a:t>
+              <a:defRPr sz="1300">
+                <a:solidFill>
+                  <a:srgbClr val="FFFFFF"/>
+                </a:solidFill>
+              </a:defRPr>
+            </a:pPr>
+            <a:r>
+              <a:t>• Examples: Shift supervisors, team leaders, floor managers</a:t>
             </a:r>
           </a:p>
         </p:txBody>
@@ -5139,6 +4353,14 @@
 <file path=ppt/slides/slide6.xml><?xml version="1.0" encoding="utf-8"?>
 <p:sld xmlns:a="http://schemas.openxmlformats.org/drawingml/2006/main" xmlns:p="http://schemas.openxmlformats.org/presentationml/2006/main" xmlns:r="http://schemas.openxmlformats.org/officeDocument/2006/relationships">
   <p:cSld>
+    <p:bg>
+      <p:bgPr>
+        <a:solidFill>
+          <a:srgbClr val="101C42"/>
+        </a:solidFill>
+        <a:effectLst/>
+      </p:bgPr>
+    </p:bg>
     <p:spTree>
       <p:nvGrpSpPr>
         <p:cNvPr id="1" name=""/>
@@ -5154,45 +4376,93 @@
         </p:nvSpPr>
         <p:spPr>
           <a:xfrm>
-            <a:off x="0" y="0"/>
-            <a:ext cx="9144000" cy="731520"/>
+            <a:off x="640080" y="1371600"/>
+            <a:ext cx="1828800" cy="1828800"/>
+          </a:xfrm>
+          <a:prstGeom prst="rect">
+            <a:avLst/>
+          </a:prstGeom>
+          <a:noFill/>
+        </p:spPr>
+        <p:txBody>
+          <a:bodyPr wrap="none">
+            <a:spAutoFit/>
+          </a:bodyPr>
+          <a:lstStyle/>
+          <a:p>
+            <a:pPr algn="ctr">
+              <a:defRPr sz="4800" b="1">
+                <a:solidFill>
+                  <a:srgbClr val="E67E22"/>
+                </a:solidFill>
+              </a:defRPr>
+            </a:pPr>
+            <a:r>
+              <a:t>LEVEL</a:t>
+            </a:r>
+          </a:p>
+          <a:p>
+            <a:r>
+              <a:t>3</a:t>
+            </a:r>
+          </a:p>
+        </p:txBody>
+      </p:sp>
+      <p:sp>
+        <p:nvSpPr>
+          <p:cNvPr id="3" name="Rectangle 2"/>
+          <p:cNvSpPr/>
+          <p:nvPr/>
+        </p:nvSpPr>
+        <p:spPr>
+          <a:xfrm>
+            <a:off x="2743200" y="914400"/>
+            <a:ext cx="73152" cy="3657600"/>
           </a:xfrm>
           <a:prstGeom prst="rect">
             <a:avLst/>
           </a:prstGeom>
           <a:solidFill>
-            <a:srgbClr val="101C42"/>
+            <a:srgbClr val="FFFFFF"/>
           </a:solidFill>
-        </p:spPr>
-        <p:txBody>
-          <a:bodyPr wrap="none" anchor="ctr" lIns="457200">
-            <a:spAutoFit/>
-          </a:bodyPr>
-          <a:lstStyle/>
-          <a:p>
-            <a:pPr>
-              <a:defRPr sz="2800" b="1">
-                <a:solidFill>
-                  <a:srgbClr val="FFFFFF"/>
-                </a:solidFill>
-              </a:defRPr>
-            </a:pPr>
-            <a:r>
-              <a:t>Level 2: Coordinates Value (Supervise)</a:t>
-            </a:r>
-          </a:p>
-        </p:txBody>
-      </p:sp>
-      <p:sp>
-        <p:nvSpPr>
-          <p:cNvPr id="3" name="TextBox 2"/>
+          <a:ln>
+            <a:solidFill>
+              <a:srgbClr val="FFFFFF"/>
+            </a:solidFill>
+          </a:ln>
+        </p:spPr>
+        <p:style>
+          <a:lnRef idx="1">
+            <a:schemeClr val="accent1"/>
+          </a:lnRef>
+          <a:fillRef idx="3">
+            <a:schemeClr val="accent1"/>
+          </a:fillRef>
+          <a:effectRef idx="2">
+            <a:schemeClr val="accent1"/>
+          </a:effectRef>
+          <a:fontRef idx="minor">
+            <a:schemeClr val="lt1"/>
+          </a:fontRef>
+        </p:style>
+        <p:txBody>
+          <a:bodyPr rtlCol="0" anchor="ctr"/>
+          <a:lstStyle/>
+          <a:p>
+            <a:pPr algn="ctr"/>
+          </a:p>
+        </p:txBody>
+      </p:sp>
+      <p:sp>
+        <p:nvSpPr>
+          <p:cNvPr id="4" name="TextBox 3"/>
           <p:cNvSpPr txBox="1"/>
           <p:nvPr/>
         </p:nvSpPr>
         <p:spPr>
           <a:xfrm>
-            <a:off x="731520" y="1371600"/>
-            <a:ext cx="7680960" cy="5029200"/>
+            <a:off x="3200400" y="914400"/>
+            <a:ext cx="5486400" cy="548640"/>
           </a:xfrm>
           <a:prstGeom prst="rect">
             <a:avLst/>
@@ -5200,135 +4470,161 @@
           <a:noFill/>
         </p:spPr>
         <p:txBody>
-          <a:bodyPr wrap="square">
+          <a:bodyPr wrap="none">
             <a:spAutoFit/>
           </a:bodyPr>
           <a:lstStyle/>
-          <a:p/>
           <a:p>
             <a:pPr>
-              <a:spcBef>
-                <a:spcPts val="1200"/>
-              </a:spcBef>
-              <a:defRPr sz="1800"/>
-            </a:pPr>
-            <a:r>
-              <a:t>First level of management - coordinates Level 1 work</a:t>
-            </a:r>
-          </a:p>
+              <a:defRPr sz="3200" b="1">
+                <a:solidFill>
+                  <a:srgbClr val="E67E22"/>
+                </a:solidFill>
+              </a:defRPr>
+            </a:pPr>
+            <a:r>
+              <a:t>CONTROLS VALUE</a:t>
+            </a:r>
+          </a:p>
+        </p:txBody>
+      </p:sp>
+      <p:sp>
+        <p:nvSpPr>
+          <p:cNvPr id="5" name="TextBox 4"/>
+          <p:cNvSpPr txBox="1"/>
+          <p:nvPr/>
+        </p:nvSpPr>
+        <p:spPr>
+          <a:xfrm>
+            <a:off x="3200400" y="1554480"/>
+            <a:ext cx="5486400" cy="457200"/>
+          </a:xfrm>
+          <a:prstGeom prst="rect">
+            <a:avLst/>
+          </a:prstGeom>
+          <a:noFill/>
+        </p:spPr>
+        <p:txBody>
+          <a:bodyPr wrap="none">
+            <a:spAutoFit/>
+          </a:bodyPr>
+          <a:lstStyle/>
           <a:p>
             <a:pPr>
-              <a:spcBef>
-                <a:spcPts val="1200"/>
-              </a:spcBef>
-              <a:defRPr sz="1800"/>
-            </a:pPr>
-          </a:p>
+              <a:defRPr sz="1800" i="1">
+                <a:solidFill>
+                  <a:srgbClr val="FFFFFF"/>
+                </a:solidFill>
+              </a:defRPr>
+            </a:pPr>
+            <a:r>
+              <a:t>MANAGE the systems</a:t>
+            </a:r>
+          </a:p>
+        </p:txBody>
+      </p:sp>
+      <p:sp>
+        <p:nvSpPr>
+          <p:cNvPr id="6" name="TextBox 5"/>
+          <p:cNvSpPr txBox="1"/>
+          <p:nvPr/>
+        </p:nvSpPr>
+        <p:spPr>
+          <a:xfrm>
+            <a:off x="3200400" y="2194560"/>
+            <a:ext cx="5303520" cy="731520"/>
+          </a:xfrm>
+          <a:prstGeom prst="rect">
+            <a:avLst/>
+          </a:prstGeom>
+          <a:noFill/>
+        </p:spPr>
+        <p:txBody>
+          <a:bodyPr wrap="none">
+            <a:spAutoFit/>
+          </a:bodyPr>
+          <a:lstStyle/>
           <a:p>
             <a:pPr>
-              <a:spcBef>
-                <a:spcPts val="1200"/>
-              </a:spcBef>
-              <a:defRPr sz="1800"/>
-            </a:pPr>
-            <a:r>
-              <a:t>Characteristics:</a:t>
-            </a:r>
-          </a:p>
+              <a:defRPr sz="1400">
+                <a:solidFill>
+                  <a:srgbClr val="FFFFFF"/>
+                </a:solidFill>
+              </a:defRPr>
+            </a:pPr>
+            <a:r>
+              <a:t>Managers who control systems, processes, and resources</a:t>
+            </a:r>
+          </a:p>
+        </p:txBody>
+      </p:sp>
+      <p:sp>
+        <p:nvSpPr>
+          <p:cNvPr id="7" name="TextBox 6"/>
+          <p:cNvSpPr txBox="1"/>
+          <p:nvPr/>
+        </p:nvSpPr>
+        <p:spPr>
+          <a:xfrm>
+            <a:off x="3200400" y="3017520"/>
+            <a:ext cx="5303520" cy="1828800"/>
+          </a:xfrm>
+          <a:prstGeom prst="rect">
+            <a:avLst/>
+          </a:prstGeom>
+          <a:noFill/>
+        </p:spPr>
+        <p:txBody>
+          <a:bodyPr wrap="none">
+            <a:spAutoFit/>
+          </a:bodyPr>
+          <a:lstStyle/>
           <a:p>
             <a:pPr>
-              <a:spcBef>
-                <a:spcPts val="1200"/>
-              </a:spcBef>
-              <a:defRPr sz="1800"/>
-            </a:pPr>
-            <a:r>
-              <a:t>  • Supervises day-to-day activities</a:t>
+              <a:defRPr sz="1300">
+                <a:solidFill>
+                  <a:srgbClr val="FFFFFF"/>
+                </a:solidFill>
+              </a:defRPr>
+            </a:pPr>
+            <a:r>
+              <a:t>• Who designs the systems and processes?</a:t>
             </a:r>
           </a:p>
           <a:p>
             <a:pPr>
-              <a:spcBef>
-                <a:spcPts val="1200"/>
-              </a:spcBef>
-              <a:defRPr sz="1800"/>
-            </a:pPr>
-            <a:r>
-              <a:t>  • Assigns tasks and coordinates team</a:t>
+              <a:defRPr sz="1300">
+                <a:solidFill>
+                  <a:srgbClr val="FFFFFF"/>
+                </a:solidFill>
+              </a:defRPr>
+            </a:pPr>
+            <a:r>
+              <a:t>• Who manages budgets and resources?</a:t>
             </a:r>
           </a:p>
           <a:p>
             <a:pPr>
-              <a:spcBef>
-                <a:spcPts val="1200"/>
-              </a:spcBef>
-              <a:defRPr sz="1800"/>
-            </a:pPr>
-            <a:r>
-              <a:t>  • Ensures quality and deadlines</a:t>
+              <a:defRPr sz="1300">
+                <a:solidFill>
+                  <a:srgbClr val="FFFFFF"/>
+                </a:solidFill>
+              </a:defRPr>
+            </a:pPr>
+            <a:r>
+              <a:t>• Who hires, trains, and develops staff?</a:t>
             </a:r>
           </a:p>
           <a:p>
             <a:pPr>
-              <a:spcBef>
-                <a:spcPts val="1200"/>
-              </a:spcBef>
-              <a:defRPr sz="1800"/>
-            </a:pPr>
-          </a:p>
-          <a:p>
-            <a:pPr>
-              <a:spcBef>
-                <a:spcPts val="1200"/>
-              </a:spcBef>
-              <a:defRPr sz="1800"/>
-            </a:pPr>
-            <a:r>
-              <a:t>Examples:</a:t>
-            </a:r>
-          </a:p>
-          <a:p>
-            <a:pPr>
-              <a:spcBef>
-                <a:spcPts val="1200"/>
-              </a:spcBef>
-              <a:defRPr sz="1800"/>
-            </a:pPr>
-            <a:r>
-              <a:t>  • Workshop Supervisor</a:t>
-            </a:r>
-          </a:p>
-          <a:p>
-            <a:pPr>
-              <a:spcBef>
-                <a:spcPts val="1200"/>
-              </a:spcBef>
-              <a:defRPr sz="1800"/>
-            </a:pPr>
-            <a:r>
-              <a:t>  • Team Lead</a:t>
-            </a:r>
-          </a:p>
-          <a:p>
-            <a:pPr>
-              <a:spcBef>
-                <a:spcPts val="1200"/>
-              </a:spcBef>
-              <a:defRPr sz="1800"/>
-            </a:pPr>
-            <a:r>
-              <a:t>  • Shift Manager</a:t>
-            </a:r>
-          </a:p>
-          <a:p>
-            <a:pPr>
-              <a:spcBef>
-                <a:spcPts val="1200"/>
-              </a:spcBef>
-              <a:defRPr sz="1800"/>
-            </a:pPr>
-            <a:r>
-              <a:t>  • Logistics Coordinator</a:t>
+              <a:defRPr sz="1300">
+                <a:solidFill>
+                  <a:srgbClr val="FFFFFF"/>
+                </a:solidFill>
+              </a:defRPr>
+            </a:pPr>
+            <a:r>
+              <a:t>• Examples: Operations manager, HR manager, finance manager</a:t>
             </a:r>
           </a:p>
         </p:txBody>
@@ -5344,6 +4640,14 @@
 <file path=ppt/slides/slide7.xml><?xml version="1.0" encoding="utf-8"?>
 <p:sld xmlns:a="http://schemas.openxmlformats.org/drawingml/2006/main" xmlns:p="http://schemas.openxmlformats.org/presentationml/2006/main" xmlns:r="http://schemas.openxmlformats.org/officeDocument/2006/relationships">
   <p:cSld>
+    <p:bg>
+      <p:bgPr>
+        <a:solidFill>
+          <a:srgbClr val="101C42"/>
+        </a:solidFill>
+        <a:effectLst/>
+      </p:bgPr>
+    </p:bg>
     <p:spTree>
       <p:nvGrpSpPr>
         <p:cNvPr id="1" name=""/>
@@ -5359,45 +4663,93 @@
         </p:nvSpPr>
         <p:spPr>
           <a:xfrm>
-            <a:off x="0" y="0"/>
-            <a:ext cx="9144000" cy="731520"/>
+            <a:off x="640080" y="1371600"/>
+            <a:ext cx="1828800" cy="1828800"/>
+          </a:xfrm>
+          <a:prstGeom prst="rect">
+            <a:avLst/>
+          </a:prstGeom>
+          <a:noFill/>
+        </p:spPr>
+        <p:txBody>
+          <a:bodyPr wrap="none">
+            <a:spAutoFit/>
+          </a:bodyPr>
+          <a:lstStyle/>
+          <a:p>
+            <a:pPr algn="ctr">
+              <a:defRPr sz="4800" b="1">
+                <a:solidFill>
+                  <a:srgbClr val="C0392B"/>
+                </a:solidFill>
+              </a:defRPr>
+            </a:pPr>
+            <a:r>
+              <a:t>LEVEL</a:t>
+            </a:r>
+          </a:p>
+          <a:p>
+            <a:r>
+              <a:t>4</a:t>
+            </a:r>
+          </a:p>
+        </p:txBody>
+      </p:sp>
+      <p:sp>
+        <p:nvSpPr>
+          <p:cNvPr id="3" name="Rectangle 2"/>
+          <p:cNvSpPr/>
+          <p:nvPr/>
+        </p:nvSpPr>
+        <p:spPr>
+          <a:xfrm>
+            <a:off x="2743200" y="914400"/>
+            <a:ext cx="73152" cy="3657600"/>
           </a:xfrm>
           <a:prstGeom prst="rect">
             <a:avLst/>
           </a:prstGeom>
           <a:solidFill>
-            <a:srgbClr val="101C42"/>
+            <a:srgbClr val="FFFFFF"/>
           </a:solidFill>
-        </p:spPr>
-        <p:txBody>
-          <a:bodyPr wrap="none" anchor="ctr" lIns="457200">
-            <a:spAutoFit/>
-          </a:bodyPr>
-          <a:lstStyle/>
-          <a:p>
-            <a:pPr>
-              <a:defRPr sz="2800" b="1">
-                <a:solidFill>
-                  <a:srgbClr val="FFFFFF"/>
-                </a:solidFill>
-              </a:defRPr>
-            </a:pPr>
-            <a:r>
-              <a:t>Level 3: Controls Value (Manage)</a:t>
-            </a:r>
-          </a:p>
-        </p:txBody>
-      </p:sp>
-      <p:sp>
-        <p:nvSpPr>
-          <p:cNvPr id="3" name="TextBox 2"/>
+          <a:ln>
+            <a:solidFill>
+              <a:srgbClr val="FFFFFF"/>
+            </a:solidFill>
+          </a:ln>
+        </p:spPr>
+        <p:style>
+          <a:lnRef idx="1">
+            <a:schemeClr val="accent1"/>
+          </a:lnRef>
+          <a:fillRef idx="3">
+            <a:schemeClr val="accent1"/>
+          </a:fillRef>
+          <a:effectRef idx="2">
+            <a:schemeClr val="accent1"/>
+          </a:effectRef>
+          <a:fontRef idx="minor">
+            <a:schemeClr val="lt1"/>
+          </a:fontRef>
+        </p:style>
+        <p:txBody>
+          <a:bodyPr rtlCol="0" anchor="ctr"/>
+          <a:lstStyle/>
+          <a:p>
+            <a:pPr algn="ctr"/>
+          </a:p>
+        </p:txBody>
+      </p:sp>
+      <p:sp>
+        <p:nvSpPr>
+          <p:cNvPr id="4" name="TextBox 3"/>
           <p:cNvSpPr txBox="1"/>
           <p:nvPr/>
         </p:nvSpPr>
         <p:spPr>
           <a:xfrm>
-            <a:off x="731520" y="1371600"/>
-            <a:ext cx="7680960" cy="5029200"/>
+            <a:off x="3200400" y="914400"/>
+            <a:ext cx="5486400" cy="548640"/>
           </a:xfrm>
           <a:prstGeom prst="rect">
             <a:avLst/>
@@ -5405,135 +4757,161 @@
           <a:noFill/>
         </p:spPr>
         <p:txBody>
-          <a:bodyPr wrap="square">
+          <a:bodyPr wrap="none">
             <a:spAutoFit/>
           </a:bodyPr>
           <a:lstStyle/>
-          <a:p/>
           <a:p>
             <a:pPr>
-              <a:spcBef>
-                <a:spcPts val="1200"/>
-              </a:spcBef>
-              <a:defRPr sz="1800"/>
-            </a:pPr>
-            <a:r>
-              <a:t>Manages systems and processes that enable operations</a:t>
-            </a:r>
-          </a:p>
+              <a:defRPr sz="3200" b="1">
+                <a:solidFill>
+                  <a:srgbClr val="C0392B"/>
+                </a:solidFill>
+              </a:defRPr>
+            </a:pPr>
+            <a:r>
+              <a:t>DECIDES VALUE</a:t>
+            </a:r>
+          </a:p>
+        </p:txBody>
+      </p:sp>
+      <p:sp>
+        <p:nvSpPr>
+          <p:cNvPr id="5" name="TextBox 4"/>
+          <p:cNvSpPr txBox="1"/>
+          <p:nvPr/>
+        </p:nvSpPr>
+        <p:spPr>
+          <a:xfrm>
+            <a:off x="3200400" y="1554480"/>
+            <a:ext cx="5486400" cy="457200"/>
+          </a:xfrm>
+          <a:prstGeom prst="rect">
+            <a:avLst/>
+          </a:prstGeom>
+          <a:noFill/>
+        </p:spPr>
+        <p:txBody>
+          <a:bodyPr wrap="none">
+            <a:spAutoFit/>
+          </a:bodyPr>
+          <a:lstStyle/>
           <a:p>
             <a:pPr>
-              <a:spcBef>
-                <a:spcPts val="1200"/>
-              </a:spcBef>
-              <a:defRPr sz="1800"/>
-            </a:pPr>
-          </a:p>
+              <a:defRPr sz="1800" i="1">
+                <a:solidFill>
+                  <a:srgbClr val="FFFFFF"/>
+                </a:solidFill>
+              </a:defRPr>
+            </a:pPr>
+            <a:r>
+              <a:t>SET the strategy</a:t>
+            </a:r>
+          </a:p>
+        </p:txBody>
+      </p:sp>
+      <p:sp>
+        <p:nvSpPr>
+          <p:cNvPr id="6" name="TextBox 5"/>
+          <p:cNvSpPr txBox="1"/>
+          <p:nvPr/>
+        </p:nvSpPr>
+        <p:spPr>
+          <a:xfrm>
+            <a:off x="3200400" y="2194560"/>
+            <a:ext cx="5303520" cy="731520"/>
+          </a:xfrm>
+          <a:prstGeom prst="rect">
+            <a:avLst/>
+          </a:prstGeom>
+          <a:noFill/>
+        </p:spPr>
+        <p:txBody>
+          <a:bodyPr wrap="none">
+            <a:spAutoFit/>
+          </a:bodyPr>
+          <a:lstStyle/>
           <a:p>
             <a:pPr>
-              <a:spcBef>
-                <a:spcPts val="1200"/>
-              </a:spcBef>
-              <a:defRPr sz="1800"/>
-            </a:pPr>
-            <a:r>
-              <a:t>Characteristics:</a:t>
-            </a:r>
-          </a:p>
+              <a:defRPr sz="1400">
+                <a:solidFill>
+                  <a:srgbClr val="FFFFFF"/>
+                </a:solidFill>
+              </a:defRPr>
+            </a:pPr>
+            <a:r>
+              <a:t>Leaders who set strategic direction and make key decisions</a:t>
+            </a:r>
+          </a:p>
+        </p:txBody>
+      </p:sp>
+      <p:sp>
+        <p:nvSpPr>
+          <p:cNvPr id="7" name="TextBox 6"/>
+          <p:cNvSpPr txBox="1"/>
+          <p:nvPr/>
+        </p:nvSpPr>
+        <p:spPr>
+          <a:xfrm>
+            <a:off x="3200400" y="3017520"/>
+            <a:ext cx="5303520" cy="1828800"/>
+          </a:xfrm>
+          <a:prstGeom prst="rect">
+            <a:avLst/>
+          </a:prstGeom>
+          <a:noFill/>
+        </p:spPr>
+        <p:txBody>
+          <a:bodyPr wrap="none">
+            <a:spAutoFit/>
+          </a:bodyPr>
+          <a:lstStyle/>
           <a:p>
             <a:pPr>
-              <a:spcBef>
-                <a:spcPts val="1200"/>
-              </a:spcBef>
-              <a:defRPr sz="1800"/>
-            </a:pPr>
-            <a:r>
-              <a:t>  • Improves systems and processes</a:t>
+              <a:defRPr sz="1300">
+                <a:solidFill>
+                  <a:srgbClr val="FFFFFF"/>
+                </a:solidFill>
+              </a:defRPr>
+            </a:pPr>
+            <a:r>
+              <a:t>• Who decides what products/services to offer?</a:t>
             </a:r>
           </a:p>
           <a:p>
             <a:pPr>
-              <a:spcBef>
-                <a:spcPts val="1200"/>
-              </a:spcBef>
-              <a:defRPr sz="1800"/>
-            </a:pPr>
-            <a:r>
-              <a:t>  • Manages budgets and resources</a:t>
+              <a:defRPr sz="1300">
+                <a:solidFill>
+                  <a:srgbClr val="FFFFFF"/>
+                </a:solidFill>
+              </a:defRPr>
+            </a:pPr>
+            <a:r>
+              <a:t>• Who sets the business vision and goals?</a:t>
             </a:r>
           </a:p>
           <a:p>
             <a:pPr>
-              <a:spcBef>
-                <a:spcPts val="1200"/>
-              </a:spcBef>
-              <a:defRPr sz="1800"/>
-            </a:pPr>
-            <a:r>
-              <a:t>  • Ensures quality control</a:t>
+              <a:defRPr sz="1300">
+                <a:solidFill>
+                  <a:srgbClr val="FFFFFF"/>
+                </a:solidFill>
+              </a:defRPr>
+            </a:pPr>
+            <a:r>
+              <a:t>• Who makes major investment decisions?</a:t>
             </a:r>
           </a:p>
           <a:p>
             <a:pPr>
-              <a:spcBef>
-                <a:spcPts val="1200"/>
-              </a:spcBef>
-              <a:defRPr sz="1800"/>
-            </a:pPr>
-          </a:p>
-          <a:p>
-            <a:pPr>
-              <a:spcBef>
-                <a:spcPts val="1200"/>
-              </a:spcBef>
-              <a:defRPr sz="1800"/>
-            </a:pPr>
-            <a:r>
-              <a:t>Examples:</a:t>
-            </a:r>
-          </a:p>
-          <a:p>
-            <a:pPr>
-              <a:spcBef>
-                <a:spcPts val="1200"/>
-              </a:spcBef>
-              <a:defRPr sz="1800"/>
-            </a:pPr>
-            <a:r>
-              <a:t>  • Accountant (financial systems)</a:t>
-            </a:r>
-          </a:p>
-          <a:p>
-            <a:pPr>
-              <a:spcBef>
-                <a:spcPts val="1200"/>
-              </a:spcBef>
-              <a:defRPr sz="1800"/>
-            </a:pPr>
-            <a:r>
-              <a:t>  • Operations Manager (production processes)</a:t>
-            </a:r>
-          </a:p>
-          <a:p>
-            <a:pPr>
-              <a:spcBef>
-                <a:spcPts val="1200"/>
-              </a:spcBef>
-              <a:defRPr sz="1800"/>
-            </a:pPr>
-            <a:r>
-              <a:t>  • Marketing Manager (campaigns)</a:t>
-            </a:r>
-          </a:p>
-          <a:p>
-            <a:pPr>
-              <a:spcBef>
-                <a:spcPts val="1200"/>
-              </a:spcBef>
-              <a:defRPr sz="1800"/>
-            </a:pPr>
-            <a:r>
-              <a:t>  • HR Manager (people systems)</a:t>
+              <a:defRPr sz="1300">
+                <a:solidFill>
+                  <a:srgbClr val="FFFFFF"/>
+                </a:solidFill>
+              </a:defRPr>
+            </a:pPr>
+            <a:r>
+              <a:t>• Examples: CEO, owner, managing director, board</a:t>
             </a:r>
           </a:p>
         </p:txBody>
@@ -5549,6 +4927,14 @@
 <file path=ppt/slides/slide8.xml><?xml version="1.0" encoding="utf-8"?>
 <p:sld xmlns:a="http://schemas.openxmlformats.org/drawingml/2006/main" xmlns:p="http://schemas.openxmlformats.org/presentationml/2006/main" xmlns:r="http://schemas.openxmlformats.org/officeDocument/2006/relationships">
   <p:cSld>
+    <p:bg>
+      <p:bgPr>
+        <a:solidFill>
+          <a:srgbClr val="101C42"/>
+        </a:solidFill>
+        <a:effectLst/>
+      </p:bgPr>
+    </p:bg>
     <p:spTree>
       <p:nvGrpSpPr>
         <p:cNvPr id="1" name=""/>
@@ -5564,45 +4950,8 @@
         </p:nvSpPr>
         <p:spPr>
           <a:xfrm>
-            <a:off x="0" y="0"/>
-            <a:ext cx="9144000" cy="731520"/>
-          </a:xfrm>
-          <a:prstGeom prst="rect">
-            <a:avLst/>
-          </a:prstGeom>
-          <a:solidFill>
-            <a:srgbClr val="101C42"/>
-          </a:solidFill>
-        </p:spPr>
-        <p:txBody>
-          <a:bodyPr wrap="none" anchor="ctr" lIns="457200">
-            <a:spAutoFit/>
-          </a:bodyPr>
-          <a:lstStyle/>
-          <a:p>
-            <a:pPr>
-              <a:defRPr sz="2800" b="1">
-                <a:solidFill>
-                  <a:srgbClr val="FFFFFF"/>
-                </a:solidFill>
-              </a:defRPr>
-            </a:pPr>
-            <a:r>
-              <a:t>Level 4: Decides Value (Strategize)</a:t>
-            </a:r>
-          </a:p>
-        </p:txBody>
-      </p:sp>
-      <p:sp>
-        <p:nvSpPr>
-          <p:cNvPr id="3" name="TextBox 2"/>
-          <p:cNvSpPr txBox="1"/>
-          <p:nvPr/>
-        </p:nvSpPr>
-        <p:spPr>
-          <a:xfrm>
-            <a:off x="731520" y="1371600"/>
-            <a:ext cx="7680960" cy="5029200"/>
+            <a:off x="914400" y="731520"/>
+            <a:ext cx="7315200" cy="731520"/>
           </a:xfrm>
           <a:prstGeom prst="rect">
             <a:avLst/>
@@ -5610,124 +4959,160 @@
           <a:noFill/>
         </p:spPr>
         <p:txBody>
-          <a:bodyPr wrap="square">
+          <a:bodyPr wrap="none">
             <a:spAutoFit/>
           </a:bodyPr>
           <a:lstStyle/>
-          <a:p/>
+          <a:p>
+            <a:pPr algn="ctr">
+              <a:defRPr sz="3600" b="1">
+                <a:solidFill>
+                  <a:srgbClr val="FFFFFF"/>
+                </a:solidFill>
+              </a:defRPr>
+            </a:pPr>
+            <a:r>
+              <a:t>Why Levels of Work Matter</a:t>
+            </a:r>
+          </a:p>
+        </p:txBody>
+      </p:sp>
+      <p:sp>
+        <p:nvSpPr>
+          <p:cNvPr id="3" name="TextBox 2"/>
+          <p:cNvSpPr txBox="1"/>
+          <p:nvPr/>
+        </p:nvSpPr>
+        <p:spPr>
+          <a:xfrm>
+            <a:off x="1371600" y="1828800"/>
+            <a:ext cx="6400800" cy="2743200"/>
+          </a:xfrm>
+          <a:prstGeom prst="rect">
+            <a:avLst/>
+          </a:prstGeom>
+          <a:noFill/>
+        </p:spPr>
+        <p:txBody>
+          <a:bodyPr wrap="none">
+            <a:spAutoFit/>
+          </a:bodyPr>
+          <a:lstStyle/>
           <a:p>
             <a:pPr>
-              <a:spcBef>
-                <a:spcPts val="1200"/>
-              </a:spcBef>
-              <a:defRPr sz="1800"/>
-            </a:pPr>
-            <a:r>
-              <a:t>Sets long-term vision and strategic direction</a:t>
+              <a:defRPr sz="1800">
+                <a:solidFill>
+                  <a:srgbClr val="FFFFFF"/>
+                </a:solidFill>
+              </a:defRPr>
+            </a:pPr>
+            <a:r>
+              <a:t>✓ Breaks the owner-manager bottleneck</a:t>
             </a:r>
           </a:p>
           <a:p>
             <a:pPr>
-              <a:spcBef>
-                <a:spcPts val="1200"/>
-              </a:spcBef>
-              <a:defRPr sz="1800"/>
+              <a:defRPr sz="1800">
+                <a:solidFill>
+                  <a:srgbClr val="FFFFFF"/>
+                </a:solidFill>
+              </a:defRPr>
             </a:pPr>
           </a:p>
           <a:p>
             <a:pPr>
-              <a:spcBef>
-                <a:spcPts val="1200"/>
-              </a:spcBef>
-              <a:defRPr sz="1800"/>
-            </a:pPr>
-            <a:r>
-              <a:t>Characteristics:</a:t>
+              <a:defRPr sz="1800">
+                <a:solidFill>
+                  <a:srgbClr val="FFFFFF"/>
+                </a:solidFill>
+              </a:defRPr>
+            </a:pPr>
+            <a:r>
+              <a:t>✓ Clarifies who does what at each level</a:t>
             </a:r>
           </a:p>
           <a:p>
             <a:pPr>
-              <a:spcBef>
-                <a:spcPts val="1200"/>
-              </a:spcBef>
-              <a:defRPr sz="1800"/>
-            </a:pPr>
-            <a:r>
-              <a:t>  • Not involved in day-to-day operations</a:t>
-            </a:r>
+              <a:defRPr sz="1800">
+                <a:solidFill>
+                  <a:srgbClr val="FFFFFF"/>
+                </a:solidFill>
+              </a:defRPr>
+            </a:pPr>
           </a:p>
           <a:p>
             <a:pPr>
-              <a:spcBef>
-                <a:spcPts val="1200"/>
-              </a:spcBef>
-              <a:defRPr sz="1800"/>
-            </a:pPr>
-            <a:r>
-              <a:t>  • Focuses on where the business is going</a:t>
+              <a:defRPr sz="1800">
+                <a:solidFill>
+                  <a:srgbClr val="FFFFFF"/>
+                </a:solidFill>
+              </a:defRPr>
+            </a:pPr>
+            <a:r>
+              <a:t>✓ Helps you delegate effectively</a:t>
             </a:r>
           </a:p>
           <a:p>
             <a:pPr>
-              <a:spcBef>
-                <a:spcPts val="1200"/>
-              </a:spcBef>
-              <a:defRPr sz="1800"/>
-            </a:pPr>
-            <a:r>
-              <a:t>  • Decides on new markets and products</a:t>
-            </a:r>
+              <a:defRPr sz="1800">
+                <a:solidFill>
+                  <a:srgbClr val="FFFFFF"/>
+                </a:solidFill>
+              </a:defRPr>
+            </a:pPr>
           </a:p>
           <a:p>
             <a:pPr>
-              <a:spcBef>
-                <a:spcPts val="1200"/>
-              </a:spcBef>
-              <a:defRPr sz="1800"/>
-            </a:pPr>
+              <a:defRPr sz="1800">
+                <a:solidFill>
+                  <a:srgbClr val="FFFFFF"/>
+                </a:solidFill>
+              </a:defRPr>
+            </a:pPr>
+            <a:r>
+              <a:t>✓ Identifies gaps in your structure</a:t>
+            </a:r>
           </a:p>
           <a:p>
             <a:pPr>
-              <a:spcBef>
-                <a:spcPts val="1200"/>
-              </a:spcBef>
-              <a:defRPr sz="1800"/>
-            </a:pPr>
-            <a:r>
-              <a:t>Examples:</a:t>
-            </a:r>
+              <a:defRPr sz="1800">
+                <a:solidFill>
+                  <a:srgbClr val="FFFFFF"/>
+                </a:solidFill>
+              </a:defRPr>
+            </a:pPr>
           </a:p>
           <a:p>
             <a:pPr>
-              <a:spcBef>
-                <a:spcPts val="1200"/>
-              </a:spcBef>
-              <a:defRPr sz="1800"/>
-            </a:pPr>
-            <a:r>
-              <a:t>  • Founder / CEO</a:t>
+              <a:defRPr sz="1800">
+                <a:solidFill>
+                  <a:srgbClr val="FFFFFF"/>
+                </a:solidFill>
+              </a:defRPr>
+            </a:pPr>
+            <a:r>
+              <a:t>✓ Guides hiring and promotion decisions</a:t>
             </a:r>
           </a:p>
           <a:p>
             <a:pPr>
-              <a:spcBef>
-                <a:spcPts val="1200"/>
-              </a:spcBef>
-              <a:defRPr sz="1800"/>
-            </a:pPr>
-            <a:r>
-              <a:t>  • Board of Directors</a:t>
-            </a:r>
+              <a:defRPr sz="1800">
+                <a:solidFill>
+                  <a:srgbClr val="FFFFFF"/>
+                </a:solidFill>
+              </a:defRPr>
+            </a:pPr>
           </a:p>
           <a:p>
             <a:pPr>
-              <a:spcBef>
-                <a:spcPts val="1200"/>
-              </a:spcBef>
-              <a:defRPr sz="1800"/>
-            </a:pPr>
-            <a:r>
-              <a:t>  • Strategic Planning Committee</a:t>
+              <a:defRPr sz="1800">
+                <a:solidFill>
+                  <a:srgbClr val="FFFFFF"/>
+                </a:solidFill>
+              </a:defRPr>
+            </a:pPr>
+            <a:r>
+              <a:t>✓ Scales your business beyond yourself</a:t>
             </a:r>
           </a:p>
         </p:txBody>
@@ -5743,6 +5128,14 @@
 <file path=ppt/slides/slide9.xml><?xml version="1.0" encoding="utf-8"?>
 <p:sld xmlns:a="http://schemas.openxmlformats.org/drawingml/2006/main" xmlns:p="http://schemas.openxmlformats.org/presentationml/2006/main" xmlns:r="http://schemas.openxmlformats.org/officeDocument/2006/relationships">
   <p:cSld>
+    <p:bg>
+      <p:bgPr>
+        <a:solidFill>
+          <a:srgbClr val="101C42"/>
+        </a:solidFill>
+        <a:effectLst/>
+      </p:bgPr>
+    </p:bg>
     <p:spTree>
       <p:nvGrpSpPr>
         <p:cNvPr id="1" name=""/>
@@ -5758,45 +5151,8 @@
         </p:nvSpPr>
         <p:spPr>
           <a:xfrm>
-            <a:off x="0" y="0"/>
-            <a:ext cx="9144000" cy="731520"/>
-          </a:xfrm>
-          <a:prstGeom prst="rect">
-            <a:avLst/>
-          </a:prstGeom>
-          <a:solidFill>
-            <a:srgbClr val="101C42"/>
-          </a:solidFill>
-        </p:spPr>
-        <p:txBody>
-          <a:bodyPr wrap="none" anchor="ctr" lIns="457200">
-            <a:spAutoFit/>
-          </a:bodyPr>
-          <a:lstStyle/>
-          <a:p>
-            <a:pPr>
-              <a:defRPr sz="2800" b="1">
-                <a:solidFill>
-                  <a:srgbClr val="FFFFFF"/>
-                </a:solidFill>
-              </a:defRPr>
-            </a:pPr>
-            <a:r>
-              <a:t>Example: Custom Furniture Business</a:t>
-            </a:r>
-          </a:p>
-        </p:txBody>
-      </p:sp>
-      <p:sp>
-        <p:nvSpPr>
-          <p:cNvPr id="3" name="TextBox 2"/>
-          <p:cNvSpPr txBox="1"/>
-          <p:nvPr/>
-        </p:nvSpPr>
-        <p:spPr>
-          <a:xfrm>
-            <a:off x="731520" y="1371600"/>
-            <a:ext cx="7680960" cy="5029200"/>
+            <a:off x="914400" y="731520"/>
+            <a:ext cx="7315200" cy="731520"/>
           </a:xfrm>
           <a:prstGeom prst="rect">
             <a:avLst/>
@@ -5804,140 +5160,160 @@
           <a:noFill/>
         </p:spPr>
         <p:txBody>
-          <a:bodyPr wrap="square">
+          <a:bodyPr wrap="none">
             <a:spAutoFit/>
           </a:bodyPr>
           <a:lstStyle/>
-          <a:p/>
+          <a:p>
+            <a:pPr algn="ctr">
+              <a:defRPr sz="3600" b="1">
+                <a:solidFill>
+                  <a:srgbClr val="FFFFFF"/>
+                </a:solidFill>
+              </a:defRPr>
+            </a:pPr>
+            <a:r>
+              <a:t>Build Your Organogram</a:t>
+            </a:r>
+          </a:p>
+        </p:txBody>
+      </p:sp>
+      <p:sp>
+        <p:nvSpPr>
+          <p:cNvPr id="3" name="TextBox 2"/>
+          <p:cNvSpPr txBox="1"/>
+          <p:nvPr/>
+        </p:nvSpPr>
+        <p:spPr>
+          <a:xfrm>
+            <a:off x="1828800" y="1828800"/>
+            <a:ext cx="5486400" cy="2743200"/>
+          </a:xfrm>
+          <a:prstGeom prst="rect">
+            <a:avLst/>
+          </a:prstGeom>
+          <a:noFill/>
+        </p:spPr>
+        <p:txBody>
+          <a:bodyPr wrap="none">
+            <a:spAutoFit/>
+          </a:bodyPr>
+          <a:lstStyle/>
           <a:p>
             <a:pPr>
-              <a:spcBef>
-                <a:spcPts val="1200"/>
-              </a:spcBef>
-              <a:defRPr sz="1800"/>
-            </a:pPr>
-            <a:r>
-              <a:t>USP: 'Exact height and weight furniture, delivered and assembled in under a week!'</a:t>
+              <a:defRPr sz="1600">
+                <a:solidFill>
+                  <a:srgbClr val="FFFFFF"/>
+                </a:solidFill>
+              </a:defRPr>
+            </a:pPr>
+            <a:r>
+              <a:t>1. List all activities in your business</a:t>
             </a:r>
           </a:p>
           <a:p>
             <a:pPr>
-              <a:spcBef>
-                <a:spcPts val="1200"/>
-              </a:spcBef>
-              <a:defRPr sz="1800"/>
+              <a:defRPr sz="1600">
+                <a:solidFill>
+                  <a:srgbClr val="FFFFFF"/>
+                </a:solidFill>
+              </a:defRPr>
             </a:pPr>
           </a:p>
           <a:p>
             <a:pPr>
-              <a:spcBef>
-                <a:spcPts val="1200"/>
-              </a:spcBef>
-              <a:defRPr sz="1800"/>
-            </a:pPr>
-            <a:r>
-              <a:t>Level 1 (Do):</a:t>
+              <a:defRPr sz="1600">
+                <a:solidFill>
+                  <a:srgbClr val="FFFFFF"/>
+                </a:solidFill>
+              </a:defRPr>
+            </a:pPr>
+            <a:r>
+              <a:t>2. Assign each activity to a level (1-4)</a:t>
             </a:r>
           </a:p>
           <a:p>
             <a:pPr>
-              <a:spcBef>
-                <a:spcPts val="1200"/>
-              </a:spcBef>
-              <a:defRPr sz="1800"/>
-            </a:pPr>
-            <a:r>
-              <a:t>  • Take measurements, Design, Build, Deliver, Assemble</a:t>
-            </a:r>
+              <a:defRPr sz="1600">
+                <a:solidFill>
+                  <a:srgbClr val="FFFFFF"/>
+                </a:solidFill>
+              </a:defRPr>
+            </a:pPr>
           </a:p>
           <a:p>
             <a:pPr>
-              <a:spcBef>
-                <a:spcPts val="1200"/>
-              </a:spcBef>
-              <a:defRPr sz="1800"/>
-            </a:pPr>
+              <a:defRPr sz="1600">
+                <a:solidFill>
+                  <a:srgbClr val="FFFFFF"/>
+                </a:solidFill>
+              </a:defRPr>
+            </a:pPr>
+            <a:r>
+              <a:t>3. Group activities into roles</a:t>
+            </a:r>
           </a:p>
           <a:p>
             <a:pPr>
-              <a:spcBef>
-                <a:spcPts val="1200"/>
-              </a:spcBef>
-              <a:defRPr sz="1800"/>
-            </a:pPr>
-            <a:r>
-              <a:t>Level 2 (Supervise):</a:t>
-            </a:r>
+              <a:defRPr sz="1600">
+                <a:solidFill>
+                  <a:srgbClr val="FFFFFF"/>
+                </a:solidFill>
+              </a:defRPr>
+            </a:pPr>
           </a:p>
           <a:p>
             <a:pPr>
-              <a:spcBef>
-                <a:spcPts val="1200"/>
-              </a:spcBef>
-              <a:defRPr sz="1800"/>
-            </a:pPr>
-            <a:r>
-              <a:t>  • Workshop Supervisor, Logistics Coordinator</a:t>
+              <a:defRPr sz="1600">
+                <a:solidFill>
+                  <a:srgbClr val="FFFFFF"/>
+                </a:solidFill>
+              </a:defRPr>
+            </a:pPr>
+            <a:r>
+              <a:t>4. Map reporting relationships</a:t>
             </a:r>
           </a:p>
           <a:p>
             <a:pPr>
-              <a:spcBef>
-                <a:spcPts val="1200"/>
-              </a:spcBef>
-              <a:defRPr sz="1800"/>
+              <a:defRPr sz="1600">
+                <a:solidFill>
+                  <a:srgbClr val="FFFFFF"/>
+                </a:solidFill>
+              </a:defRPr>
             </a:pPr>
           </a:p>
           <a:p>
             <a:pPr>
-              <a:spcBef>
-                <a:spcPts val="1200"/>
-              </a:spcBef>
-              <a:defRPr sz="1800"/>
-            </a:pPr>
-            <a:r>
-              <a:t>Level 3 (Manage):</a:t>
+              <a:defRPr sz="1600">
+                <a:solidFill>
+                  <a:srgbClr val="FFFFFF"/>
+                </a:solidFill>
+              </a:defRPr>
+            </a:pPr>
+            <a:r>
+              <a:t>5. Identify gaps and overlaps</a:t>
             </a:r>
           </a:p>
           <a:p>
             <a:pPr>
-              <a:spcBef>
-                <a:spcPts val="1200"/>
-              </a:spcBef>
-              <a:defRPr sz="1800"/>
-            </a:pPr>
-            <a:r>
-              <a:t>  • Accountant, Operations Manager, Sales Manager</a:t>
-            </a:r>
+              <a:defRPr sz="1600">
+                <a:solidFill>
+                  <a:srgbClr val="FFFFFF"/>
+                </a:solidFill>
+              </a:defRPr>
+            </a:pPr>
           </a:p>
           <a:p>
             <a:pPr>
-              <a:spcBef>
-                <a:spcPts val="1200"/>
-              </a:spcBef>
-              <a:defRPr sz="1800"/>
-            </a:pPr>
-          </a:p>
-          <a:p>
-            <a:pPr>
-              <a:spcBef>
-                <a:spcPts val="1200"/>
-              </a:spcBef>
-              <a:defRPr sz="1800"/>
-            </a:pPr>
-            <a:r>
-              <a:t>Level 4 (Strategy):</a:t>
-            </a:r>
-          </a:p>
-          <a:p>
-            <a:pPr>
-              <a:spcBef>
-                <a:spcPts val="1200"/>
-              </a:spcBef>
-              <a:defRPr sz="1800"/>
-            </a:pPr>
-            <a:r>
-              <a:t>  • Founder/CEO</a:t>
+              <a:defRPr sz="1600">
+                <a:solidFill>
+                  <a:srgbClr val="FFFFFF"/>
+                </a:solidFill>
+              </a:defRPr>
+            </a:pPr>
+            <a:r>
+              <a:t>6. Create your visual organogram</a:t>
             </a:r>
           </a:p>
         </p:txBody>

--- a/artifacts/04-Levels-of-Work-Presentation.pptx
+++ b/artifacts/04-Levels-of-Work-Presentation.pptx
@@ -8,6 +8,7 @@
     <p:sldId id="256" r:id="rId7"/>
     <p:sldId id="257" r:id="rId8"/>
     <p:sldId id="258" r:id="rId9"/>
+    <p:sldId id="266" r:id="rId17"/>
     <p:sldId id="259" r:id="rId10"/>
     <p:sldId id="260" r:id="rId11"/>
     <p:sldId id="261" r:id="rId12"/>
@@ -3271,6 +3272,83 @@
           </a:p>
         </p:txBody>
       </p:sp>
+    </p:spTree>
+  </p:cSld>
+  <p:clrMapOvr>
+    <a:masterClrMapping/>
+  </p:clrMapOvr>
+</p:sld>
+</file>
+
+<file path=ppt/slides/slide11.xml><?xml version="1.0" encoding="utf-8"?>
+<p:sld xmlns:a="http://schemas.openxmlformats.org/drawingml/2006/main" xmlns:p="http://schemas.openxmlformats.org/presentationml/2006/main" xmlns:r="http://schemas.openxmlformats.org/officeDocument/2006/relationships">
+  <p:cSld>
+    <p:spTree>
+      <p:nvGrpSpPr>
+        <p:cNvPr id="1" name=""/>
+        <p:cNvGrpSpPr/>
+        <p:nvPr/>
+      </p:nvGrpSpPr>
+      <p:grpSpPr/>
+      <p:sp>
+        <p:nvSpPr>
+          <p:cNvPr id="2" name="TextBox 1"/>
+          <p:cNvSpPr txBox="1"/>
+          <p:nvPr/>
+        </p:nvSpPr>
+        <p:spPr>
+          <a:xfrm>
+            <a:off x="457200" y="274320"/>
+            <a:ext cx="8229600" cy="640080"/>
+          </a:xfrm>
+          <a:prstGeom prst="rect">
+            <a:avLst/>
+          </a:prstGeom>
+          <a:noFill/>
+        </p:spPr>
+        <p:txBody>
+          <a:bodyPr wrap="none">
+            <a:spAutoFit/>
+          </a:bodyPr>
+          <a:lstStyle/>
+          <a:p>
+            <a:pPr algn="ctr">
+              <a:defRPr sz="2800" b="1">
+                <a:solidFill>
+                  <a:srgbClr val="1C2A4A"/>
+                </a:solidFill>
+              </a:defRPr>
+            </a:pPr>
+            <a:r>
+              <a:t>The 4-Level Organizational Hierarchy</a:t>
+            </a:r>
+          </a:p>
+        </p:txBody>
+      </p:sp>
+      <p:pic>
+        <p:nvPicPr>
+          <p:cNvPr id="3" name="Picture 2" descr="levels-of-work-4-levels.png"/>
+          <p:cNvPicPr>
+            <a:picLocks noChangeAspect="1"/>
+          </p:cNvPicPr>
+          <p:nvPr/>
+        </p:nvPicPr>
+        <p:blipFill>
+          <a:blip r:embed="rId2"/>
+          <a:stretch>
+            <a:fillRect/>
+          </a:stretch>
+        </p:blipFill>
+        <p:spPr>
+          <a:xfrm>
+            <a:off x="274320" y="1005840"/>
+            <a:ext cx="8595360" cy="5264658"/>
+          </a:xfrm>
+          <a:prstGeom prst="rect">
+            <a:avLst/>
+          </a:prstGeom>
+        </p:spPr>
+      </p:pic>
     </p:spTree>
   </p:cSld>
   <p:clrMapOvr>
